--- a/Week6_Statistics/BachmeierNTIM8130-6.pptx
+++ b/Week6_Statistics/BachmeierNTIM8130-6.pptx
@@ -4,17 +4,21 @@
   <p:sldMasterIdLst>
     <p:sldMasterId id="2147483648" r:id="rId1"/>
   </p:sldMasterIdLst>
+  <p:notesMasterIdLst>
+    <p:notesMasterId r:id="rId13"/>
+  </p:notesMasterIdLst>
   <p:sldIdLst>
     <p:sldId id="256" r:id="rId2"/>
-    <p:sldId id="257" r:id="rId3"/>
-    <p:sldId id="258" r:id="rId4"/>
-    <p:sldId id="259" r:id="rId5"/>
-    <p:sldId id="261" r:id="rId6"/>
-    <p:sldId id="265" r:id="rId7"/>
-    <p:sldId id="260" r:id="rId8"/>
-    <p:sldId id="263" r:id="rId9"/>
-    <p:sldId id="262" r:id="rId10"/>
-    <p:sldId id="264" r:id="rId11"/>
+    <p:sldId id="266" r:id="rId3"/>
+    <p:sldId id="257" r:id="rId4"/>
+    <p:sldId id="258" r:id="rId5"/>
+    <p:sldId id="259" r:id="rId6"/>
+    <p:sldId id="261" r:id="rId7"/>
+    <p:sldId id="265" r:id="rId8"/>
+    <p:sldId id="260" r:id="rId9"/>
+    <p:sldId id="263" r:id="rId10"/>
+    <p:sldId id="262" r:id="rId11"/>
+    <p:sldId id="264" r:id="rId12"/>
   </p:sldIdLst>
   <p:sldSz cx="12192000" cy="6858000"/>
   <p:notesSz cx="6858000" cy="9144000"/>
@@ -114,6 +118,1388 @@
     </a:lvl9pPr>
   </p:defaultTextStyle>
 </p:presentation>
+</file>
+
+<file path=ppt/charts/chartEx1.xml><?xml version="1.0" encoding="utf-8"?>
+<cx:chartSpace xmlns:a="http://schemas.openxmlformats.org/drawingml/2006/main" xmlns:r="http://schemas.openxmlformats.org/officeDocument/2006/relationships" xmlns:cx="http://schemas.microsoft.com/office/drawing/2014/chartex">
+  <cx:chartData>
+    <cx:externalData r:id="rId1" cx:autoUpdate="0"/>
+    <cx:data id="0">
+      <cx:strDim type="cat">
+        <cx:f>Sheet1!$A$2:$A$14</cx:f>
+        <cx:lvl ptCount="13">
+          <cx:pt idx="0">Under 5 years</cx:pt>
+          <cx:pt idx="1">5 to 9 years</cx:pt>
+          <cx:pt idx="2">10 to 14 years</cx:pt>
+          <cx:pt idx="3">15 to 19 years</cx:pt>
+          <cx:pt idx="4">20 to 24 years</cx:pt>
+          <cx:pt idx="5">25 to 34 years</cx:pt>
+          <cx:pt idx="6">35 to 44 years</cx:pt>
+          <cx:pt idx="7">45 to 54 years</cx:pt>
+          <cx:pt idx="8">55 to 59 years</cx:pt>
+          <cx:pt idx="9">60 to 64 years</cx:pt>
+          <cx:pt idx="10">65 to 74 years</cx:pt>
+          <cx:pt idx="11">75 to 84 years</cx:pt>
+          <cx:pt idx="12">85 years and over</cx:pt>
+        </cx:lvl>
+      </cx:strDim>
+      <cx:numDim type="val">
+        <cx:f>Sheet1!$C$2:$C$14</cx:f>
+        <cx:lvl ptCount="13" formatCode="General">
+          <cx:pt idx="0">6.7999999999999998</cx:pt>
+          <cx:pt idx="1">7.2999999999999998</cx:pt>
+          <cx:pt idx="2">7.2999999999999998</cx:pt>
+          <cx:pt idx="3">7.2000000000000002</cx:pt>
+          <cx:pt idx="4">6.7000000000000002</cx:pt>
+          <cx:pt idx="5">14.199999999999999</cx:pt>
+          <cx:pt idx="6">16</cx:pt>
+          <cx:pt idx="7">13.4</cx:pt>
+          <cx:pt idx="8">4.7999999999999998</cx:pt>
+          <cx:pt idx="9">3.7999999999999998</cx:pt>
+          <cx:pt idx="10">6.5</cx:pt>
+          <cx:pt idx="11">4.4000000000000004</cx:pt>
+          <cx:pt idx="12">1.5</cx:pt>
+        </cx:lvl>
+      </cx:numDim>
+    </cx:data>
+  </cx:chartData>
+  <cx:chart>
+    <cx:title pos="t" align="ctr" overlay="0">
+      <cx:tx>
+        <cx:txData>
+          <cx:v>US Age Distribution</cx:v>
+        </cx:txData>
+      </cx:tx>
+      <cx:txPr>
+        <a:bodyPr spcFirstLastPara="1" vertOverflow="ellipsis" horzOverflow="overflow" wrap="square" lIns="0" tIns="0" rIns="0" bIns="0" anchor="ctr" anchorCtr="1"/>
+        <a:lstStyle/>
+        <a:p>
+          <a:pPr algn="ctr" rtl="0">
+            <a:defRPr/>
+          </a:pPr>
+          <a:r>
+            <a:rPr lang="en-US" sz="1400" b="0" i="0" u="none" strike="noStrike" baseline="0">
+              <a:solidFill>
+                <a:sysClr val="windowText" lastClr="000000">
+                  <a:lumMod val="65000"/>
+                  <a:lumOff val="35000"/>
+                </a:sysClr>
+              </a:solidFill>
+              <a:latin typeface="Calibri" panose="020F0502020204030204"/>
+            </a:rPr>
+            <a:t>US Age Distribution</a:t>
+          </a:r>
+        </a:p>
+      </cx:txPr>
+    </cx:title>
+    <cx:plotArea>
+      <cx:plotAreaRegion>
+        <cx:series layoutId="funnel" uniqueId="{7D9DD0BD-79DF-4A0D-90E4-FB03F1CCC0D6}">
+          <cx:tx>
+            <cx:txData>
+              <cx:f>Sheet1!$C$1</cx:f>
+              <cx:v>Percent</cx:v>
+            </cx:txData>
+          </cx:tx>
+          <cx:dataLabels>
+            <cx:visibility seriesName="0" categoryName="0" value="1"/>
+          </cx:dataLabels>
+          <cx:dataId val="0"/>
+        </cx:series>
+      </cx:plotAreaRegion>
+      <cx:axis id="0">
+        <cx:catScaling gapWidth="0.0599999987"/>
+        <cx:tickLabels/>
+      </cx:axis>
+    </cx:plotArea>
+  </cx:chart>
+</cx:chartSpace>
+</file>
+
+<file path=ppt/charts/colors1.xml><?xml version="1.0" encoding="utf-8"?>
+<cs:colorStyle xmlns:cs="http://schemas.microsoft.com/office/drawing/2012/chartStyle" xmlns:a="http://schemas.openxmlformats.org/drawingml/2006/main" meth="cycle" id="10">
+  <a:schemeClr val="accent1"/>
+  <a:schemeClr val="accent2"/>
+  <a:schemeClr val="accent3"/>
+  <a:schemeClr val="accent4"/>
+  <a:schemeClr val="accent5"/>
+  <a:schemeClr val="accent6"/>
+  <cs:variation/>
+  <cs:variation>
+    <a:lumMod val="60000"/>
+  </cs:variation>
+  <cs:variation>
+    <a:lumMod val="80000"/>
+    <a:lumOff val="20000"/>
+  </cs:variation>
+  <cs:variation>
+    <a:lumMod val="80000"/>
+  </cs:variation>
+  <cs:variation>
+    <a:lumMod val="60000"/>
+    <a:lumOff val="40000"/>
+  </cs:variation>
+  <cs:variation>
+    <a:lumMod val="50000"/>
+  </cs:variation>
+  <cs:variation>
+    <a:lumMod val="70000"/>
+    <a:lumOff val="30000"/>
+  </cs:variation>
+  <cs:variation>
+    <a:lumMod val="70000"/>
+  </cs:variation>
+  <cs:variation>
+    <a:lumMod val="50000"/>
+    <a:lumOff val="50000"/>
+  </cs:variation>
+</cs:colorStyle>
+</file>
+
+<file path=ppt/charts/style1.xml><?xml version="1.0" encoding="utf-8"?>
+<cs:chartStyle xmlns:cs="http://schemas.microsoft.com/office/drawing/2012/chartStyle" xmlns:a="http://schemas.openxmlformats.org/drawingml/2006/main" id="419">
+  <cs:axisTitle>
+    <cs:lnRef idx="0"/>
+    <cs:fillRef idx="0"/>
+    <cs:effectRef idx="0"/>
+    <cs:fontRef idx="minor">
+      <a:schemeClr val="tx1">
+        <a:lumMod val="65000"/>
+        <a:lumOff val="35000"/>
+      </a:schemeClr>
+    </cs:fontRef>
+    <cs:defRPr sz="900"/>
+  </cs:axisTitle>
+  <cs:categoryAxis>
+    <cs:lnRef idx="0"/>
+    <cs:fillRef idx="0"/>
+    <cs:effectRef idx="0"/>
+    <cs:fontRef idx="minor">
+      <a:schemeClr val="tx1">
+        <a:lumMod val="65000"/>
+        <a:lumOff val="35000"/>
+      </a:schemeClr>
+    </cs:fontRef>
+    <cs:spPr>
+      <a:ln w="9525" cap="flat" cmpd="sng" algn="ctr">
+        <a:solidFill>
+          <a:schemeClr val="tx1">
+            <a:lumMod val="15000"/>
+            <a:lumOff val="85000"/>
+          </a:schemeClr>
+        </a:solidFill>
+        <a:round/>
+      </a:ln>
+    </cs:spPr>
+    <cs:defRPr sz="900"/>
+  </cs:categoryAxis>
+  <cs:chartArea mods="allowNoFillOverride allowNoLineOverride">
+    <cs:lnRef idx="0"/>
+    <cs:fillRef idx="0"/>
+    <cs:effectRef idx="0"/>
+    <cs:fontRef idx="minor">
+      <a:schemeClr val="tx1"/>
+    </cs:fontRef>
+    <cs:spPr>
+      <a:solidFill>
+        <a:schemeClr val="bg1"/>
+      </a:solidFill>
+      <a:ln w="9525" cap="flat" cmpd="sng" algn="ctr">
+        <a:solidFill>
+          <a:schemeClr val="tx1">
+            <a:lumMod val="15000"/>
+            <a:lumOff val="85000"/>
+          </a:schemeClr>
+        </a:solidFill>
+        <a:round/>
+      </a:ln>
+    </cs:spPr>
+    <cs:defRPr sz="1000"/>
+  </cs:chartArea>
+  <cs:dataLabel>
+    <cs:lnRef idx="0"/>
+    <cs:fillRef idx="0"/>
+    <cs:effectRef idx="0"/>
+    <cs:fontRef idx="minor">
+      <a:schemeClr val="tx1">
+        <a:lumMod val="65000"/>
+        <a:lumOff val="35000"/>
+      </a:schemeClr>
+    </cs:fontRef>
+    <cs:defRPr sz="900"/>
+  </cs:dataLabel>
+  <cs:dataLabelCallout>
+    <cs:lnRef idx="0"/>
+    <cs:fillRef idx="0"/>
+    <cs:effectRef idx="0"/>
+    <cs:fontRef idx="minor">
+      <a:schemeClr val="dk1">
+        <a:lumMod val="65000"/>
+        <a:lumOff val="35000"/>
+      </a:schemeClr>
+    </cs:fontRef>
+    <cs:spPr>
+      <a:solidFill>
+        <a:schemeClr val="lt1"/>
+      </a:solidFill>
+      <a:ln>
+        <a:solidFill>
+          <a:schemeClr val="dk1">
+            <a:lumMod val="25000"/>
+            <a:lumOff val="75000"/>
+          </a:schemeClr>
+        </a:solidFill>
+      </a:ln>
+    </cs:spPr>
+    <cs:defRPr sz="900"/>
+    <cs:bodyPr rot="0" spcFirstLastPara="1" vertOverflow="clip" horzOverflow="clip" vert="horz" wrap="square" lIns="36576" tIns="18288" rIns="36576" bIns="18288" anchor="ctr" anchorCtr="1">
+      <a:spAutoFit/>
+    </cs:bodyPr>
+  </cs:dataLabelCallout>
+  <cs:dataPoint>
+    <cs:lnRef idx="0"/>
+    <cs:fillRef idx="0">
+      <cs:styleClr val="auto"/>
+    </cs:fillRef>
+    <cs:effectRef idx="0"/>
+    <cs:fontRef idx="minor">
+      <a:schemeClr val="tx1"/>
+    </cs:fontRef>
+    <cs:spPr>
+      <a:solidFill>
+        <a:schemeClr val="phClr"/>
+      </a:solidFill>
+    </cs:spPr>
+  </cs:dataPoint>
+  <cs:dataPoint3D>
+    <cs:lnRef idx="0"/>
+    <cs:fillRef idx="0">
+      <cs:styleClr val="auto"/>
+    </cs:fillRef>
+    <cs:effectRef idx="0"/>
+    <cs:fontRef idx="minor">
+      <a:schemeClr val="tx1"/>
+    </cs:fontRef>
+    <cs:spPr>
+      <a:solidFill>
+        <a:schemeClr val="phClr"/>
+      </a:solidFill>
+    </cs:spPr>
+  </cs:dataPoint3D>
+  <cs:dataPointLine>
+    <cs:lnRef idx="0">
+      <cs:styleClr val="auto"/>
+    </cs:lnRef>
+    <cs:fillRef idx="0"/>
+    <cs:effectRef idx="0"/>
+    <cs:fontRef idx="minor">
+      <a:schemeClr val="tx1"/>
+    </cs:fontRef>
+    <cs:spPr>
+      <a:ln w="28575" cap="rnd">
+        <a:solidFill>
+          <a:schemeClr val="phClr"/>
+        </a:solidFill>
+        <a:round/>
+      </a:ln>
+    </cs:spPr>
+  </cs:dataPointLine>
+  <cs:dataPointMarker>
+    <cs:lnRef idx="0"/>
+    <cs:fillRef idx="0">
+      <cs:styleClr val="auto"/>
+    </cs:fillRef>
+    <cs:effectRef idx="0"/>
+    <cs:fontRef idx="minor">
+      <a:schemeClr val="tx1"/>
+    </cs:fontRef>
+    <cs:spPr>
+      <a:solidFill>
+        <a:schemeClr val="phClr"/>
+      </a:solidFill>
+      <a:ln w="9525">
+        <a:solidFill>
+          <a:schemeClr val="lt1"/>
+        </a:solidFill>
+      </a:ln>
+    </cs:spPr>
+  </cs:dataPointMarker>
+  <cs:dataPointMarkerLayout symbol="circle" size="5"/>
+  <cs:dataPointWireframe>
+    <cs:lnRef idx="0">
+      <cs:styleClr val="auto"/>
+    </cs:lnRef>
+    <cs:fillRef idx="0"/>
+    <cs:effectRef idx="0"/>
+    <cs:fontRef idx="minor">
+      <a:schemeClr val="tx1"/>
+    </cs:fontRef>
+    <cs:spPr>
+      <a:ln w="28575" cap="rnd">
+        <a:solidFill>
+          <a:schemeClr val="phClr"/>
+        </a:solidFill>
+        <a:round/>
+      </a:ln>
+    </cs:spPr>
+  </cs:dataPointWireframe>
+  <cs:dataTable>
+    <cs:lnRef idx="0"/>
+    <cs:fillRef idx="0"/>
+    <cs:effectRef idx="0"/>
+    <cs:fontRef idx="minor">
+      <a:schemeClr val="tx1">
+        <a:lumMod val="65000"/>
+        <a:lumOff val="35000"/>
+      </a:schemeClr>
+    </cs:fontRef>
+    <cs:spPr>
+      <a:ln w="9525">
+        <a:solidFill>
+          <a:schemeClr val="tx1">
+            <a:lumMod val="15000"/>
+            <a:lumOff val="85000"/>
+          </a:schemeClr>
+        </a:solidFill>
+      </a:ln>
+    </cs:spPr>
+    <cs:defRPr sz="900"/>
+  </cs:dataTable>
+  <cs:downBar>
+    <cs:lnRef idx="0"/>
+    <cs:fillRef idx="0"/>
+    <cs:effectRef idx="0"/>
+    <cs:fontRef idx="minor">
+      <a:schemeClr val="dk1"/>
+    </cs:fontRef>
+    <cs:spPr>
+      <a:solidFill>
+        <a:schemeClr val="dk1">
+          <a:lumMod val="65000"/>
+          <a:lumOff val="35000"/>
+        </a:schemeClr>
+      </a:solidFill>
+      <a:ln w="9525">
+        <a:solidFill>
+          <a:schemeClr val="tx1">
+            <a:lumMod val="65000"/>
+            <a:lumOff val="35000"/>
+          </a:schemeClr>
+        </a:solidFill>
+      </a:ln>
+    </cs:spPr>
+  </cs:downBar>
+  <cs:dropLine>
+    <cs:lnRef idx="0"/>
+    <cs:fillRef idx="0"/>
+    <cs:effectRef idx="0"/>
+    <cs:fontRef idx="minor">
+      <a:schemeClr val="tx1"/>
+    </cs:fontRef>
+    <cs:spPr>
+      <a:ln w="9525" cap="flat" cmpd="sng" algn="ctr">
+        <a:solidFill>
+          <a:schemeClr val="tx1">
+            <a:lumMod val="35000"/>
+            <a:lumOff val="65000"/>
+          </a:schemeClr>
+        </a:solidFill>
+        <a:round/>
+      </a:ln>
+    </cs:spPr>
+  </cs:dropLine>
+  <cs:errorBar>
+    <cs:lnRef idx="0"/>
+    <cs:fillRef idx="0"/>
+    <cs:effectRef idx="0"/>
+    <cs:fontRef idx="minor">
+      <a:schemeClr val="tx1"/>
+    </cs:fontRef>
+    <cs:spPr>
+      <a:ln w="9525" cap="flat" cmpd="sng" algn="ctr">
+        <a:solidFill>
+          <a:schemeClr val="tx1">
+            <a:lumMod val="65000"/>
+            <a:lumOff val="35000"/>
+          </a:schemeClr>
+        </a:solidFill>
+        <a:round/>
+      </a:ln>
+    </cs:spPr>
+  </cs:errorBar>
+  <cs:floor>
+    <cs:lnRef idx="0"/>
+    <cs:fillRef idx="0"/>
+    <cs:effectRef idx="0"/>
+    <cs:fontRef idx="minor">
+      <a:schemeClr val="tx1"/>
+    </cs:fontRef>
+  </cs:floor>
+  <cs:gridlineMajor>
+    <cs:lnRef idx="0"/>
+    <cs:fillRef idx="0"/>
+    <cs:effectRef idx="0"/>
+    <cs:fontRef idx="minor">
+      <a:schemeClr val="tx1"/>
+    </cs:fontRef>
+    <cs:spPr>
+      <a:ln w="9525" cap="flat" cmpd="sng" algn="ctr">
+        <a:solidFill>
+          <a:schemeClr val="tx1">
+            <a:lumMod val="15000"/>
+            <a:lumOff val="85000"/>
+          </a:schemeClr>
+        </a:solidFill>
+        <a:round/>
+      </a:ln>
+    </cs:spPr>
+  </cs:gridlineMajor>
+  <cs:gridlineMinor>
+    <cs:lnRef idx="0"/>
+    <cs:fillRef idx="0"/>
+    <cs:effectRef idx="0"/>
+    <cs:fontRef idx="minor">
+      <a:schemeClr val="tx1"/>
+    </cs:fontRef>
+    <cs:spPr>
+      <a:ln w="9525" cap="flat" cmpd="sng" algn="ctr">
+        <a:solidFill>
+          <a:schemeClr val="tx1">
+            <a:lumMod val="15000"/>
+            <a:lumOff val="85000"/>
+          </a:schemeClr>
+        </a:solidFill>
+        <a:round/>
+      </a:ln>
+    </cs:spPr>
+  </cs:gridlineMinor>
+  <cs:hiLoLine>
+    <cs:lnRef idx="0"/>
+    <cs:fillRef idx="0"/>
+    <cs:effectRef idx="0"/>
+    <cs:fontRef idx="minor">
+      <a:schemeClr val="tx1"/>
+    </cs:fontRef>
+    <cs:spPr>
+      <a:ln w="9525" cap="flat" cmpd="sng" algn="ctr">
+        <a:solidFill>
+          <a:schemeClr val="tx1">
+            <a:lumMod val="75000"/>
+            <a:lumOff val="25000"/>
+          </a:schemeClr>
+        </a:solidFill>
+        <a:round/>
+      </a:ln>
+    </cs:spPr>
+  </cs:hiLoLine>
+  <cs:leaderLine>
+    <cs:lnRef idx="0"/>
+    <cs:fillRef idx="0"/>
+    <cs:effectRef idx="0"/>
+    <cs:fontRef idx="minor">
+      <a:schemeClr val="tx1"/>
+    </cs:fontRef>
+    <cs:spPr>
+      <a:ln w="9525" cap="flat" cmpd="sng" algn="ctr">
+        <a:solidFill>
+          <a:schemeClr val="tx1">
+            <a:lumMod val="35000"/>
+            <a:lumOff val="65000"/>
+          </a:schemeClr>
+        </a:solidFill>
+        <a:round/>
+      </a:ln>
+    </cs:spPr>
+  </cs:leaderLine>
+  <cs:legend>
+    <cs:lnRef idx="0"/>
+    <cs:fillRef idx="0"/>
+    <cs:effectRef idx="0"/>
+    <cs:fontRef idx="minor">
+      <a:schemeClr val="tx1">
+        <a:lumMod val="65000"/>
+        <a:lumOff val="35000"/>
+      </a:schemeClr>
+    </cs:fontRef>
+    <cs:defRPr sz="900"/>
+  </cs:legend>
+  <cs:plotArea mods="allowNoFillOverride allowNoLineOverride">
+    <cs:lnRef idx="0"/>
+    <cs:fillRef idx="0"/>
+    <cs:effectRef idx="0"/>
+    <cs:fontRef idx="minor">
+      <a:schemeClr val="tx1"/>
+    </cs:fontRef>
+  </cs:plotArea>
+  <cs:plotArea3D mods="allowNoFillOverride allowNoLineOverride">
+    <cs:lnRef idx="0"/>
+    <cs:fillRef idx="0"/>
+    <cs:effectRef idx="0"/>
+    <cs:fontRef idx="minor">
+      <a:schemeClr val="tx1"/>
+    </cs:fontRef>
+  </cs:plotArea3D>
+  <cs:seriesAxis>
+    <cs:lnRef idx="0"/>
+    <cs:fillRef idx="0"/>
+    <cs:effectRef idx="0"/>
+    <cs:fontRef idx="minor">
+      <a:schemeClr val="tx1">
+        <a:lumMod val="65000"/>
+        <a:lumOff val="35000"/>
+      </a:schemeClr>
+    </cs:fontRef>
+    <cs:spPr>
+      <a:ln w="9525" cap="flat" cmpd="sng" algn="ctr">
+        <a:solidFill>
+          <a:schemeClr val="tx1">
+            <a:lumMod val="15000"/>
+            <a:lumOff val="85000"/>
+          </a:schemeClr>
+        </a:solidFill>
+        <a:round/>
+      </a:ln>
+    </cs:spPr>
+    <cs:defRPr sz="900"/>
+  </cs:seriesAxis>
+  <cs:seriesLine>
+    <cs:lnRef idx="0"/>
+    <cs:fillRef idx="0"/>
+    <cs:effectRef idx="0"/>
+    <cs:fontRef idx="minor">
+      <a:schemeClr val="tx1"/>
+    </cs:fontRef>
+    <cs:spPr>
+      <a:ln w="9525" cap="flat">
+        <a:solidFill>
+          <a:srgbClr val="D9D9D9"/>
+        </a:solidFill>
+        <a:round/>
+      </a:ln>
+    </cs:spPr>
+  </cs:seriesLine>
+  <cs:title>
+    <cs:lnRef idx="0"/>
+    <cs:fillRef idx="0"/>
+    <cs:effectRef idx="0"/>
+    <cs:fontRef idx="minor">
+      <a:schemeClr val="tx1">
+        <a:lumMod val="65000"/>
+        <a:lumOff val="35000"/>
+      </a:schemeClr>
+    </cs:fontRef>
+    <cs:defRPr sz="1400"/>
+  </cs:title>
+  <cs:trendline>
+    <cs:lnRef idx="0">
+      <cs:styleClr val="auto"/>
+    </cs:lnRef>
+    <cs:fillRef idx="0"/>
+    <cs:effectRef idx="0"/>
+    <cs:fontRef idx="minor">
+      <a:schemeClr val="tx1"/>
+    </cs:fontRef>
+    <cs:spPr>
+      <a:ln w="19050" cap="rnd">
+        <a:solidFill>
+          <a:schemeClr val="phClr"/>
+        </a:solidFill>
+        <a:prstDash val="sysDash"/>
+      </a:ln>
+    </cs:spPr>
+  </cs:trendline>
+  <cs:trendlineLabel>
+    <cs:lnRef idx="0"/>
+    <cs:fillRef idx="0"/>
+    <cs:effectRef idx="0"/>
+    <cs:fontRef idx="minor">
+      <a:schemeClr val="tx1">
+        <a:lumMod val="65000"/>
+        <a:lumOff val="35000"/>
+      </a:schemeClr>
+    </cs:fontRef>
+    <cs:defRPr sz="900"/>
+  </cs:trendlineLabel>
+  <cs:upBar>
+    <cs:lnRef idx="0"/>
+    <cs:fillRef idx="0"/>
+    <cs:effectRef idx="0"/>
+    <cs:fontRef idx="minor">
+      <a:schemeClr val="dk1"/>
+    </cs:fontRef>
+    <cs:spPr>
+      <a:solidFill>
+        <a:schemeClr val="lt1"/>
+      </a:solidFill>
+      <a:ln w="9525">
+        <a:solidFill>
+          <a:schemeClr val="tx1">
+            <a:lumMod val="15000"/>
+            <a:lumOff val="85000"/>
+          </a:schemeClr>
+        </a:solidFill>
+      </a:ln>
+    </cs:spPr>
+  </cs:upBar>
+  <cs:valueAxis>
+    <cs:lnRef idx="0"/>
+    <cs:fillRef idx="0"/>
+    <cs:effectRef idx="0"/>
+    <cs:fontRef idx="minor">
+      <a:schemeClr val="tx1">
+        <a:lumMod val="65000"/>
+        <a:lumOff val="35000"/>
+      </a:schemeClr>
+    </cs:fontRef>
+    <cs:defRPr sz="900"/>
+  </cs:valueAxis>
+  <cs:wall>
+    <cs:lnRef idx="0"/>
+    <cs:fillRef idx="0"/>
+    <cs:effectRef idx="0"/>
+    <cs:fontRef idx="minor">
+      <a:schemeClr val="tx1"/>
+    </cs:fontRef>
+  </cs:wall>
+</cs:chartStyle>
+</file>
+
+<file path=ppt/notesMasters/notesMaster1.xml><?xml version="1.0" encoding="utf-8"?>
+<p:notesMaster xmlns:a="http://schemas.openxmlformats.org/drawingml/2006/main" xmlns:r="http://schemas.openxmlformats.org/officeDocument/2006/relationships" xmlns:p="http://schemas.openxmlformats.org/presentationml/2006/main">
+  <p:cSld>
+    <p:bg>
+      <p:bgRef idx="1001">
+        <a:schemeClr val="bg1"/>
+      </p:bgRef>
+    </p:bg>
+    <p:spTree>
+      <p:nvGrpSpPr>
+        <p:cNvPr id="1" name=""/>
+        <p:cNvGrpSpPr/>
+        <p:nvPr/>
+      </p:nvGrpSpPr>
+      <p:grpSpPr>
+        <a:xfrm>
+          <a:off x="0" y="0"/>
+          <a:ext cx="0" cy="0"/>
+          <a:chOff x="0" y="0"/>
+          <a:chExt cx="0" cy="0"/>
+        </a:xfrm>
+      </p:grpSpPr>
+      <p:sp>
+        <p:nvSpPr>
+          <p:cNvPr id="2" name="Header Placeholder 1"/>
+          <p:cNvSpPr>
+            <a:spLocks noGrp="1"/>
+          </p:cNvSpPr>
+          <p:nvPr>
+            <p:ph type="hdr" sz="quarter"/>
+          </p:nvPr>
+        </p:nvSpPr>
+        <p:spPr>
+          <a:xfrm>
+            <a:off x="0" y="0"/>
+            <a:ext cx="2971800" cy="458788"/>
+          </a:xfrm>
+          <a:prstGeom prst="rect">
+            <a:avLst/>
+          </a:prstGeom>
+        </p:spPr>
+        <p:txBody>
+          <a:bodyPr vert="horz" lIns="91440" tIns="45720" rIns="91440" bIns="45720" rtlCol="0"/>
+          <a:lstStyle>
+            <a:lvl1pPr algn="l">
+              <a:defRPr sz="1200"/>
+            </a:lvl1pPr>
+          </a:lstStyle>
+          <a:p>
+            <a:endParaRPr lang="en-US"/>
+          </a:p>
+        </p:txBody>
+      </p:sp>
+      <p:sp>
+        <p:nvSpPr>
+          <p:cNvPr id="3" name="Date Placeholder 2"/>
+          <p:cNvSpPr>
+            <a:spLocks noGrp="1"/>
+          </p:cNvSpPr>
+          <p:nvPr>
+            <p:ph type="dt" idx="1"/>
+          </p:nvPr>
+        </p:nvSpPr>
+        <p:spPr>
+          <a:xfrm>
+            <a:off x="3884613" y="0"/>
+            <a:ext cx="2971800" cy="458788"/>
+          </a:xfrm>
+          <a:prstGeom prst="rect">
+            <a:avLst/>
+          </a:prstGeom>
+        </p:spPr>
+        <p:txBody>
+          <a:bodyPr vert="horz" lIns="91440" tIns="45720" rIns="91440" bIns="45720" rtlCol="0"/>
+          <a:lstStyle>
+            <a:lvl1pPr algn="r">
+              <a:defRPr sz="1200"/>
+            </a:lvl1pPr>
+          </a:lstStyle>
+          <a:p>
+            <a:fld id="{A14763FC-9155-49F0-A9F9-83BFF2DA4ABB}" type="datetimeFigureOut">
+              <a:rPr lang="en-US" smtClean="0"/>
+              <a:t>3/15/2020</a:t>
+            </a:fld>
+            <a:endParaRPr lang="en-US"/>
+          </a:p>
+        </p:txBody>
+      </p:sp>
+      <p:sp>
+        <p:nvSpPr>
+          <p:cNvPr id="4" name="Slide Image Placeholder 3"/>
+          <p:cNvSpPr>
+            <a:spLocks noGrp="1" noRot="1" noChangeAspect="1"/>
+          </p:cNvSpPr>
+          <p:nvPr>
+            <p:ph type="sldImg" idx="2"/>
+          </p:nvPr>
+        </p:nvSpPr>
+        <p:spPr>
+          <a:xfrm>
+            <a:off x="685800" y="1143000"/>
+            <a:ext cx="5486400" cy="3086100"/>
+          </a:xfrm>
+          <a:prstGeom prst="rect">
+            <a:avLst/>
+          </a:prstGeom>
+          <a:noFill/>
+          <a:ln w="12700">
+            <a:solidFill>
+              <a:prstClr val="black"/>
+            </a:solidFill>
+          </a:ln>
+        </p:spPr>
+        <p:txBody>
+          <a:bodyPr vert="horz" lIns="91440" tIns="45720" rIns="91440" bIns="45720" rtlCol="0" anchor="ctr"/>
+          <a:lstStyle/>
+          <a:p>
+            <a:endParaRPr lang="en-US"/>
+          </a:p>
+        </p:txBody>
+      </p:sp>
+      <p:sp>
+        <p:nvSpPr>
+          <p:cNvPr id="5" name="Notes Placeholder 4"/>
+          <p:cNvSpPr>
+            <a:spLocks noGrp="1"/>
+          </p:cNvSpPr>
+          <p:nvPr>
+            <p:ph type="body" sz="quarter" idx="3"/>
+          </p:nvPr>
+        </p:nvSpPr>
+        <p:spPr>
+          <a:xfrm>
+            <a:off x="685800" y="4400550"/>
+            <a:ext cx="5486400" cy="3600450"/>
+          </a:xfrm>
+          <a:prstGeom prst="rect">
+            <a:avLst/>
+          </a:prstGeom>
+        </p:spPr>
+        <p:txBody>
+          <a:bodyPr vert="horz" lIns="91440" tIns="45720" rIns="91440" bIns="45720" rtlCol="0"/>
+          <a:lstStyle/>
+          <a:p>
+            <a:pPr lvl="0"/>
+            <a:r>
+              <a:rPr lang="en-US"/>
+              <a:t>Click to edit Master text styles</a:t>
+            </a:r>
+          </a:p>
+          <a:p>
+            <a:pPr lvl="1"/>
+            <a:r>
+              <a:rPr lang="en-US"/>
+              <a:t>Second level</a:t>
+            </a:r>
+          </a:p>
+          <a:p>
+            <a:pPr lvl="2"/>
+            <a:r>
+              <a:rPr lang="en-US"/>
+              <a:t>Third level</a:t>
+            </a:r>
+          </a:p>
+          <a:p>
+            <a:pPr lvl="3"/>
+            <a:r>
+              <a:rPr lang="en-US"/>
+              <a:t>Fourth level</a:t>
+            </a:r>
+          </a:p>
+          <a:p>
+            <a:pPr lvl="4"/>
+            <a:r>
+              <a:rPr lang="en-US"/>
+              <a:t>Fifth level</a:t>
+            </a:r>
+          </a:p>
+        </p:txBody>
+      </p:sp>
+      <p:sp>
+        <p:nvSpPr>
+          <p:cNvPr id="6" name="Footer Placeholder 5"/>
+          <p:cNvSpPr>
+            <a:spLocks noGrp="1"/>
+          </p:cNvSpPr>
+          <p:nvPr>
+            <p:ph type="ftr" sz="quarter" idx="4"/>
+          </p:nvPr>
+        </p:nvSpPr>
+        <p:spPr>
+          <a:xfrm>
+            <a:off x="0" y="8685213"/>
+            <a:ext cx="2971800" cy="458787"/>
+          </a:xfrm>
+          <a:prstGeom prst="rect">
+            <a:avLst/>
+          </a:prstGeom>
+        </p:spPr>
+        <p:txBody>
+          <a:bodyPr vert="horz" lIns="91440" tIns="45720" rIns="91440" bIns="45720" rtlCol="0" anchor="b"/>
+          <a:lstStyle>
+            <a:lvl1pPr algn="l">
+              <a:defRPr sz="1200"/>
+            </a:lvl1pPr>
+          </a:lstStyle>
+          <a:p>
+            <a:endParaRPr lang="en-US"/>
+          </a:p>
+        </p:txBody>
+      </p:sp>
+      <p:sp>
+        <p:nvSpPr>
+          <p:cNvPr id="7" name="Slide Number Placeholder 6"/>
+          <p:cNvSpPr>
+            <a:spLocks noGrp="1"/>
+          </p:cNvSpPr>
+          <p:nvPr>
+            <p:ph type="sldNum" sz="quarter" idx="5"/>
+          </p:nvPr>
+        </p:nvSpPr>
+        <p:spPr>
+          <a:xfrm>
+            <a:off x="3884613" y="8685213"/>
+            <a:ext cx="2971800" cy="458787"/>
+          </a:xfrm>
+          <a:prstGeom prst="rect">
+            <a:avLst/>
+          </a:prstGeom>
+        </p:spPr>
+        <p:txBody>
+          <a:bodyPr vert="horz" lIns="91440" tIns="45720" rIns="91440" bIns="45720" rtlCol="0" anchor="b"/>
+          <a:lstStyle>
+            <a:lvl1pPr algn="r">
+              <a:defRPr sz="1200"/>
+            </a:lvl1pPr>
+          </a:lstStyle>
+          <a:p>
+            <a:fld id="{CAB0B835-FD5B-48D9-AD8A-5FC15D131614}" type="slidenum">
+              <a:rPr lang="en-US" smtClean="0"/>
+              <a:t>‹#›</a:t>
+            </a:fld>
+            <a:endParaRPr lang="en-US"/>
+          </a:p>
+        </p:txBody>
+      </p:sp>
+    </p:spTree>
+    <p:extLst>
+      <p:ext uri="{BB962C8B-B14F-4D97-AF65-F5344CB8AC3E}">
+        <p14:creationId xmlns:p14="http://schemas.microsoft.com/office/powerpoint/2010/main" val="1774825863"/>
+      </p:ext>
+    </p:extLst>
+  </p:cSld>
+  <p:clrMap bg1="lt1" tx1="dk1" bg2="lt2" tx2="dk2" accent1="accent1" accent2="accent2" accent3="accent3" accent4="accent4" accent5="accent5" accent6="accent6" hlink="hlink" folHlink="folHlink"/>
+  <p:notesStyle>
+    <a:lvl1pPr marL="0" algn="l" defTabSz="914400" rtl="0" eaLnBrk="1" latinLnBrk="0" hangingPunct="1">
+      <a:defRPr sz="1200" kern="1200">
+        <a:solidFill>
+          <a:schemeClr val="tx1"/>
+        </a:solidFill>
+        <a:latin typeface="+mn-lt"/>
+        <a:ea typeface="+mn-ea"/>
+        <a:cs typeface="+mn-cs"/>
+      </a:defRPr>
+    </a:lvl1pPr>
+    <a:lvl2pPr marL="457200" algn="l" defTabSz="914400" rtl="0" eaLnBrk="1" latinLnBrk="0" hangingPunct="1">
+      <a:defRPr sz="1200" kern="1200">
+        <a:solidFill>
+          <a:schemeClr val="tx1"/>
+        </a:solidFill>
+        <a:latin typeface="+mn-lt"/>
+        <a:ea typeface="+mn-ea"/>
+        <a:cs typeface="+mn-cs"/>
+      </a:defRPr>
+    </a:lvl2pPr>
+    <a:lvl3pPr marL="914400" algn="l" defTabSz="914400" rtl="0" eaLnBrk="1" latinLnBrk="0" hangingPunct="1">
+      <a:defRPr sz="1200" kern="1200">
+        <a:solidFill>
+          <a:schemeClr val="tx1"/>
+        </a:solidFill>
+        <a:latin typeface="+mn-lt"/>
+        <a:ea typeface="+mn-ea"/>
+        <a:cs typeface="+mn-cs"/>
+      </a:defRPr>
+    </a:lvl3pPr>
+    <a:lvl4pPr marL="1371600" algn="l" defTabSz="914400" rtl="0" eaLnBrk="1" latinLnBrk="0" hangingPunct="1">
+      <a:defRPr sz="1200" kern="1200">
+        <a:solidFill>
+          <a:schemeClr val="tx1"/>
+        </a:solidFill>
+        <a:latin typeface="+mn-lt"/>
+        <a:ea typeface="+mn-ea"/>
+        <a:cs typeface="+mn-cs"/>
+      </a:defRPr>
+    </a:lvl4pPr>
+    <a:lvl5pPr marL="1828800" algn="l" defTabSz="914400" rtl="0" eaLnBrk="1" latinLnBrk="0" hangingPunct="1">
+      <a:defRPr sz="1200" kern="1200">
+        <a:solidFill>
+          <a:schemeClr val="tx1"/>
+        </a:solidFill>
+        <a:latin typeface="+mn-lt"/>
+        <a:ea typeface="+mn-ea"/>
+        <a:cs typeface="+mn-cs"/>
+      </a:defRPr>
+    </a:lvl5pPr>
+    <a:lvl6pPr marL="2286000" algn="l" defTabSz="914400" rtl="0" eaLnBrk="1" latinLnBrk="0" hangingPunct="1">
+      <a:defRPr sz="1200" kern="1200">
+        <a:solidFill>
+          <a:schemeClr val="tx1"/>
+        </a:solidFill>
+        <a:latin typeface="+mn-lt"/>
+        <a:ea typeface="+mn-ea"/>
+        <a:cs typeface="+mn-cs"/>
+      </a:defRPr>
+    </a:lvl6pPr>
+    <a:lvl7pPr marL="2743200" algn="l" defTabSz="914400" rtl="0" eaLnBrk="1" latinLnBrk="0" hangingPunct="1">
+      <a:defRPr sz="1200" kern="1200">
+        <a:solidFill>
+          <a:schemeClr val="tx1"/>
+        </a:solidFill>
+        <a:latin typeface="+mn-lt"/>
+        <a:ea typeface="+mn-ea"/>
+        <a:cs typeface="+mn-cs"/>
+      </a:defRPr>
+    </a:lvl7pPr>
+    <a:lvl8pPr marL="3200400" algn="l" defTabSz="914400" rtl="0" eaLnBrk="1" latinLnBrk="0" hangingPunct="1">
+      <a:defRPr sz="1200" kern="1200">
+        <a:solidFill>
+          <a:schemeClr val="tx1"/>
+        </a:solidFill>
+        <a:latin typeface="+mn-lt"/>
+        <a:ea typeface="+mn-ea"/>
+        <a:cs typeface="+mn-cs"/>
+      </a:defRPr>
+    </a:lvl8pPr>
+    <a:lvl9pPr marL="3657600" algn="l" defTabSz="914400" rtl="0" eaLnBrk="1" latinLnBrk="0" hangingPunct="1">
+      <a:defRPr sz="1200" kern="1200">
+        <a:solidFill>
+          <a:schemeClr val="tx1"/>
+        </a:solidFill>
+        <a:latin typeface="+mn-lt"/>
+        <a:ea typeface="+mn-ea"/>
+        <a:cs typeface="+mn-cs"/>
+      </a:defRPr>
+    </a:lvl9pPr>
+  </p:notesStyle>
+</p:notesMaster>
+</file>
+
+<file path=ppt/notesSlides/notesSlide1.xml><?xml version="1.0" encoding="utf-8"?>
+<p:notes xmlns:a="http://schemas.openxmlformats.org/drawingml/2006/main" xmlns:r="http://schemas.openxmlformats.org/officeDocument/2006/relationships" xmlns:p="http://schemas.openxmlformats.org/presentationml/2006/main">
+  <p:cSld>
+    <p:spTree>
+      <p:nvGrpSpPr>
+        <p:cNvPr id="1" name=""/>
+        <p:cNvGrpSpPr/>
+        <p:nvPr/>
+      </p:nvGrpSpPr>
+      <p:grpSpPr>
+        <a:xfrm>
+          <a:off x="0" y="0"/>
+          <a:ext cx="0" cy="0"/>
+          <a:chOff x="0" y="0"/>
+          <a:chExt cx="0" cy="0"/>
+        </a:xfrm>
+      </p:grpSpPr>
+      <p:sp>
+        <p:nvSpPr>
+          <p:cNvPr id="2" name="Slide Image Placeholder 1"/>
+          <p:cNvSpPr>
+            <a:spLocks noGrp="1" noRot="1" noChangeAspect="1"/>
+          </p:cNvSpPr>
+          <p:nvPr>
+            <p:ph type="sldImg"/>
+          </p:nvPr>
+        </p:nvSpPr>
+        <p:spPr/>
+      </p:sp>
+      <p:sp>
+        <p:nvSpPr>
+          <p:cNvPr id="3" name="Notes Placeholder 2"/>
+          <p:cNvSpPr>
+            <a:spLocks noGrp="1"/>
+          </p:cNvSpPr>
+          <p:nvPr>
+            <p:ph type="body" idx="1"/>
+          </p:nvPr>
+        </p:nvSpPr>
+        <p:spPr/>
+        <p:txBody>
+          <a:bodyPr/>
+          <a:lstStyle/>
+          <a:p>
+            <a:r>
+              <a:rPr lang="en-US" sz="1200" kern="1200" dirty="0">
+                <a:solidFill>
+                  <a:schemeClr val="tx1"/>
+                </a:solidFill>
+                <a:effectLst/>
+                <a:latin typeface="+mn-lt"/>
+                <a:ea typeface="+mn-ea"/>
+                <a:cs typeface="+mn-cs"/>
+              </a:rPr>
+              <a:t>The world has become fixated on the Corona Virus Disease 2019 (COVID-19), as it continues to spread in a global pandemic.  There is much uncertainty about how the disease will impact the general public leading to city-wide curfews, grocery stores emptied, and the end of the bull market.  One of the drivers of the mass panic comes from the media’s reporting of the mortality rates without enough context.  For instance, original estimates put the likelihood of death at roughly 1% and have since risen as high as 7%.  However, these figures treat all entities as homogeneous, despite critical physical distinctions.  Consider the differences between the immune systems of teenagers versus senior citizens, and how that changes their level from illness.  Other features, such as pre-existing medical conditions and organ deterioration from cigarette smoking, influence the mortality calculus.</a:t>
+            </a:r>
+            <a:endParaRPr lang="en-US" dirty="0"/>
+          </a:p>
+        </p:txBody>
+      </p:sp>
+      <p:sp>
+        <p:nvSpPr>
+          <p:cNvPr id="4" name="Slide Number Placeholder 3"/>
+          <p:cNvSpPr>
+            <a:spLocks noGrp="1"/>
+          </p:cNvSpPr>
+          <p:nvPr>
+            <p:ph type="sldNum" sz="quarter" idx="5"/>
+          </p:nvPr>
+        </p:nvSpPr>
+        <p:spPr/>
+        <p:txBody>
+          <a:bodyPr/>
+          <a:lstStyle/>
+          <a:p>
+            <a:fld id="{CAB0B835-FD5B-48D9-AD8A-5FC15D131614}" type="slidenum">
+              <a:rPr lang="en-US" smtClean="0"/>
+              <a:t>2</a:t>
+            </a:fld>
+            <a:endParaRPr lang="en-US"/>
+          </a:p>
+        </p:txBody>
+      </p:sp>
+    </p:spTree>
+    <p:extLst>
+      <p:ext uri="{BB962C8B-B14F-4D97-AF65-F5344CB8AC3E}">
+        <p14:creationId xmlns:p14="http://schemas.microsoft.com/office/powerpoint/2010/main" val="558515434"/>
+      </p:ext>
+    </p:extLst>
+  </p:cSld>
+  <p:clrMapOvr>
+    <a:masterClrMapping/>
+  </p:clrMapOvr>
+</p:notes>
+</file>
+
+<file path=ppt/notesSlides/notesSlide2.xml><?xml version="1.0" encoding="utf-8"?>
+<p:notes xmlns:a="http://schemas.openxmlformats.org/drawingml/2006/main" xmlns:r="http://schemas.openxmlformats.org/officeDocument/2006/relationships" xmlns:p="http://schemas.openxmlformats.org/presentationml/2006/main">
+  <p:cSld>
+    <p:spTree>
+      <p:nvGrpSpPr>
+        <p:cNvPr id="1" name=""/>
+        <p:cNvGrpSpPr/>
+        <p:nvPr/>
+      </p:nvGrpSpPr>
+      <p:grpSpPr>
+        <a:xfrm>
+          <a:off x="0" y="0"/>
+          <a:ext cx="0" cy="0"/>
+          <a:chOff x="0" y="0"/>
+          <a:chExt cx="0" cy="0"/>
+        </a:xfrm>
+      </p:grpSpPr>
+      <p:sp>
+        <p:nvSpPr>
+          <p:cNvPr id="2" name="Slide Image Placeholder 1"/>
+          <p:cNvSpPr>
+            <a:spLocks noGrp="1" noRot="1" noChangeAspect="1"/>
+          </p:cNvSpPr>
+          <p:nvPr>
+            <p:ph type="sldImg"/>
+          </p:nvPr>
+        </p:nvSpPr>
+        <p:spPr/>
+      </p:sp>
+      <p:sp>
+        <p:nvSpPr>
+          <p:cNvPr id="3" name="Notes Placeholder 2"/>
+          <p:cNvSpPr>
+            <a:spLocks noGrp="1"/>
+          </p:cNvSpPr>
+          <p:nvPr>
+            <p:ph type="body" idx="1"/>
+          </p:nvPr>
+        </p:nvSpPr>
+        <p:spPr/>
+        <p:txBody>
+          <a:bodyPr/>
+          <a:lstStyle/>
+          <a:p>
+            <a:pPr marL="0" marR="0" lvl="0" indent="0" algn="l" defTabSz="914400" rtl="0" eaLnBrk="1" fontAlgn="auto" latinLnBrk="0" hangingPunct="1">
+              <a:lnSpc>
+                <a:spcPct val="100000"/>
+              </a:lnSpc>
+              <a:spcBef>
+                <a:spcPts val="0"/>
+              </a:spcBef>
+              <a:spcAft>
+                <a:spcPts val="0"/>
+              </a:spcAft>
+              <a:buClrTx/>
+              <a:buSzTx/>
+              <a:buFontTx/>
+              <a:buNone/>
+              <a:tabLst/>
+              <a:defRPr/>
+            </a:pPr>
+            <a:r>
+              <a:rPr lang="en-US" sz="1200" kern="1200" dirty="0">
+                <a:solidFill>
+                  <a:schemeClr val="tx1"/>
+                </a:solidFill>
+                <a:effectLst/>
+                <a:latin typeface="+mn-lt"/>
+                <a:ea typeface="+mn-ea"/>
+                <a:cs typeface="+mn-cs"/>
+              </a:rPr>
+              <a:t>The name novel coronavirus disease 2019 incorporates several artifacts, starting with ‘novel’ meaning new.  Corona, meaning crown, refers to the spikes that protrude out of the protein envelope.  What makes this instance unique is its ability to infect humans, versus most coronavirus, are lethal to birds and mammals, particularly across the farming industries (Schoeman &amp; Fielding, 2016).  Both Severe Respiratory </a:t>
+            </a:r>
+            <a:r>
+              <a:rPr lang="en-US" sz="1200" kern="1200" dirty="0" err="1">
+                <a:solidFill>
+                  <a:schemeClr val="tx1"/>
+                </a:solidFill>
+                <a:effectLst/>
+                <a:latin typeface="+mn-lt"/>
+                <a:ea typeface="+mn-ea"/>
+                <a:cs typeface="+mn-cs"/>
+              </a:rPr>
+              <a:t>Syndrom</a:t>
+            </a:r>
+            <a:r>
+              <a:rPr lang="en-US" sz="1200" kern="1200" dirty="0">
+                <a:solidFill>
+                  <a:schemeClr val="tx1"/>
+                </a:solidFill>
+                <a:effectLst/>
+                <a:latin typeface="+mn-lt"/>
+                <a:ea typeface="+mn-ea"/>
+                <a:cs typeface="+mn-cs"/>
+              </a:rPr>
+              <a:t> (SARs) of 2003 and Middle Eastern Respiratory </a:t>
+            </a:r>
+            <a:r>
+              <a:rPr lang="en-US" sz="1200" kern="1200" dirty="0" err="1">
+                <a:solidFill>
+                  <a:schemeClr val="tx1"/>
+                </a:solidFill>
+                <a:effectLst/>
+                <a:latin typeface="+mn-lt"/>
+                <a:ea typeface="+mn-ea"/>
+                <a:cs typeface="+mn-cs"/>
+              </a:rPr>
+              <a:t>Syndrom</a:t>
+            </a:r>
+            <a:r>
+              <a:rPr lang="en-US" sz="1200" kern="1200" dirty="0">
+                <a:solidFill>
+                  <a:schemeClr val="tx1"/>
+                </a:solidFill>
+                <a:effectLst/>
+                <a:latin typeface="+mn-lt"/>
+                <a:ea typeface="+mn-ea"/>
+                <a:cs typeface="+mn-cs"/>
+              </a:rPr>
+              <a:t> (MERS) of 2012, are recent COVID outbreaks.  These diseases target the respiratory system and create symptoms ranging from a cold to pneumonia.  Doctors can prescribe medication for these symptoms, but not for the underlying condition.  A COVID protein exists as a single-stranded RNA genome that requires host cells to assist with its replication.  Some medical professionals believe stopping that process, similar </a:t>
+            </a:r>
+            <a:r>
+              <a:rPr lang="en-US" sz="1200" kern="1200" dirty="0" err="1">
+                <a:solidFill>
+                  <a:schemeClr val="tx1"/>
+                </a:solidFill>
+                <a:effectLst/>
+                <a:latin typeface="+mn-lt"/>
+                <a:ea typeface="+mn-ea"/>
+                <a:cs typeface="+mn-cs"/>
+              </a:rPr>
+              <a:t>Remdesivir</a:t>
+            </a:r>
+            <a:r>
+              <a:rPr lang="en-US" sz="1200" kern="1200" dirty="0">
+                <a:solidFill>
+                  <a:schemeClr val="tx1"/>
+                </a:solidFill>
+                <a:effectLst/>
+                <a:latin typeface="+mn-lt"/>
+                <a:ea typeface="+mn-ea"/>
+                <a:cs typeface="+mn-cs"/>
+              </a:rPr>
+              <a:t> for Human Immunodeficiency Virus (HIV) patients, holds the solution (Cara, 2020).  However, even if these existing drugs are successful, it can take years to gain approval from the Food and Drug Administration (FDA).  Without the availability of medical science to timely produce a cure, the world needs to rely on ‘toughening it out.’  That does not install confidence across the broad audience as it leads to more questions than answers.</a:t>
+            </a:r>
+          </a:p>
+          <a:p>
+            <a:endParaRPr lang="en-US" dirty="0"/>
+          </a:p>
+        </p:txBody>
+      </p:sp>
+      <p:sp>
+        <p:nvSpPr>
+          <p:cNvPr id="4" name="Slide Number Placeholder 3"/>
+          <p:cNvSpPr>
+            <a:spLocks noGrp="1"/>
+          </p:cNvSpPr>
+          <p:nvPr>
+            <p:ph type="sldNum" sz="quarter" idx="5"/>
+          </p:nvPr>
+        </p:nvSpPr>
+        <p:spPr/>
+        <p:txBody>
+          <a:bodyPr/>
+          <a:lstStyle/>
+          <a:p>
+            <a:fld id="{CAB0B835-FD5B-48D9-AD8A-5FC15D131614}" type="slidenum">
+              <a:rPr lang="en-US" smtClean="0"/>
+              <a:t>3</a:t>
+            </a:fld>
+            <a:endParaRPr lang="en-US"/>
+          </a:p>
+        </p:txBody>
+      </p:sp>
+    </p:spTree>
+    <p:extLst>
+      <p:ext uri="{BB962C8B-B14F-4D97-AF65-F5344CB8AC3E}">
+        <p14:creationId xmlns:p14="http://schemas.microsoft.com/office/powerpoint/2010/main" val="452220110"/>
+      </p:ext>
+    </p:extLst>
+  </p:cSld>
+  <p:clrMapOvr>
+    <a:masterClrMapping/>
+  </p:clrMapOvr>
+</p:notes>
+</file>
+
+<file path=ppt/notesSlides/notesSlide3.xml><?xml version="1.0" encoding="utf-8"?>
+<p:notes xmlns:a="http://schemas.openxmlformats.org/drawingml/2006/main" xmlns:r="http://schemas.openxmlformats.org/officeDocument/2006/relationships" xmlns:p="http://schemas.openxmlformats.org/presentationml/2006/main">
+  <p:cSld>
+    <p:spTree>
+      <p:nvGrpSpPr>
+        <p:cNvPr id="1" name=""/>
+        <p:cNvGrpSpPr/>
+        <p:nvPr/>
+      </p:nvGrpSpPr>
+      <p:grpSpPr>
+        <a:xfrm>
+          <a:off x="0" y="0"/>
+          <a:ext cx="0" cy="0"/>
+          <a:chOff x="0" y="0"/>
+          <a:chExt cx="0" cy="0"/>
+        </a:xfrm>
+      </p:grpSpPr>
+      <p:sp>
+        <p:nvSpPr>
+          <p:cNvPr id="2" name="Slide Image Placeholder 1"/>
+          <p:cNvSpPr>
+            <a:spLocks noGrp="1" noRot="1" noChangeAspect="1"/>
+          </p:cNvSpPr>
+          <p:nvPr>
+            <p:ph type="sldImg"/>
+          </p:nvPr>
+        </p:nvSpPr>
+        <p:spPr/>
+      </p:sp>
+      <p:sp>
+        <p:nvSpPr>
+          <p:cNvPr id="3" name="Notes Placeholder 2"/>
+          <p:cNvSpPr>
+            <a:spLocks noGrp="1"/>
+          </p:cNvSpPr>
+          <p:nvPr>
+            <p:ph type="body" idx="1"/>
+          </p:nvPr>
+        </p:nvSpPr>
+        <p:spPr/>
+        <p:txBody>
+          <a:bodyPr/>
+          <a:lstStyle/>
+          <a:p>
+            <a:r>
+              <a:rPr lang="en-US" sz="1200" kern="1200" dirty="0">
+                <a:solidFill>
+                  <a:schemeClr val="tx1"/>
+                </a:solidFill>
+                <a:effectLst/>
+                <a:latin typeface="+mn-lt"/>
+                <a:ea typeface="+mn-ea"/>
+                <a:cs typeface="+mn-cs"/>
+              </a:rPr>
+              <a:t>A heightened sense of fear exists as people do not understand their real risk of mortality.  These challenges stem from media outlets taking a raw average of deaths divided by reported cases.  Instead, the communities need preprocessing to cluster and classify members based on physical and demographic features.  Kaiser Family Foundation (2016) states that West Virginia (36%), Mississippi (34%), and Kentucky (33%) have the highest rates of pre-existing conditions for nonelderly adults in the country.  The number of deaths per thousand should naturally be higher in these states due to the impaired state.  Another critical factor is the age of the population, with senior citizens having the highest risk.  Perhaps the diversity of the community influences infection rates, such as homogeneous areas in Wyoming, that are unlikely to encounter international tourism.  The population density of a city changes how people commute and the volume of interactions that transact every day.  Each of these dimensions changes the probabilities of dying, along with the criticality of healthy individuals remaining so.  Understanding these risks can increase targeted awareness and, in turn, save lives.</a:t>
+            </a:r>
+          </a:p>
+          <a:p>
+            <a:endParaRPr lang="en-US" sz="1200" kern="1200" dirty="0">
+              <a:solidFill>
+                <a:schemeClr val="tx1"/>
+              </a:solidFill>
+              <a:effectLst/>
+              <a:latin typeface="+mn-lt"/>
+              <a:ea typeface="+mn-ea"/>
+              <a:cs typeface="+mn-cs"/>
+            </a:endParaRPr>
+          </a:p>
+        </p:txBody>
+      </p:sp>
+      <p:sp>
+        <p:nvSpPr>
+          <p:cNvPr id="4" name="Slide Number Placeholder 3"/>
+          <p:cNvSpPr>
+            <a:spLocks noGrp="1"/>
+          </p:cNvSpPr>
+          <p:nvPr>
+            <p:ph type="sldNum" sz="quarter" idx="5"/>
+          </p:nvPr>
+        </p:nvSpPr>
+        <p:spPr/>
+        <p:txBody>
+          <a:bodyPr/>
+          <a:lstStyle/>
+          <a:p>
+            <a:fld id="{CAB0B835-FD5B-48D9-AD8A-5FC15D131614}" type="slidenum">
+              <a:rPr lang="en-US" smtClean="0"/>
+              <a:t>4</a:t>
+            </a:fld>
+            <a:endParaRPr lang="en-US"/>
+          </a:p>
+        </p:txBody>
+      </p:sp>
+    </p:spTree>
+    <p:extLst>
+      <p:ext uri="{BB962C8B-B14F-4D97-AF65-F5344CB8AC3E}">
+        <p14:creationId xmlns:p14="http://schemas.microsoft.com/office/powerpoint/2010/main" val="3217705451"/>
+      </p:ext>
+    </p:extLst>
+  </p:cSld>
+  <p:clrMapOvr>
+    <a:masterClrMapping/>
+  </p:clrMapOvr>
+</p:notes>
 </file>
 
 <file path=ppt/slideLayouts/slideLayout1.xml><?xml version="1.0" encoding="utf-8"?>
@@ -7741,6 +9127,89 @@
           <p:cNvPr id="2" name="Title 1">
             <a:extLst>
               <a:ext uri="{FF2B5EF4-FFF2-40B4-BE49-F238E27FC236}">
+                <a16:creationId xmlns:a16="http://schemas.microsoft.com/office/drawing/2014/main" id="{A56C1F18-337D-48C4-AF09-BA4588DD79B0}"/>
+              </a:ext>
+            </a:extLst>
+          </p:cNvPr>
+          <p:cNvSpPr>
+            <a:spLocks noGrp="1"/>
+          </p:cNvSpPr>
+          <p:nvPr>
+            <p:ph type="title"/>
+          </p:nvPr>
+        </p:nvSpPr>
+        <p:spPr/>
+        <p:txBody>
+          <a:bodyPr/>
+          <a:lstStyle/>
+          <a:p>
+            <a:r>
+              <a:rPr lang="en-US" dirty="0"/>
+              <a:t>Challenges and limitations</a:t>
+            </a:r>
+          </a:p>
+        </p:txBody>
+      </p:sp>
+      <p:sp>
+        <p:nvSpPr>
+          <p:cNvPr id="3" name="Content Placeholder 2">
+            <a:extLst>
+              <a:ext uri="{FF2B5EF4-FFF2-40B4-BE49-F238E27FC236}">
+                <a16:creationId xmlns:a16="http://schemas.microsoft.com/office/drawing/2014/main" id="{C050F78B-2BD7-45DC-8E43-41B14855863D}"/>
+              </a:ext>
+            </a:extLst>
+          </p:cNvPr>
+          <p:cNvSpPr>
+            <a:spLocks noGrp="1"/>
+          </p:cNvSpPr>
+          <p:nvPr>
+            <p:ph idx="1"/>
+          </p:nvPr>
+        </p:nvSpPr>
+        <p:spPr/>
+        <p:txBody>
+          <a:bodyPr/>
+          <a:lstStyle/>
+          <a:p>
+            <a:endParaRPr lang="en-US"/>
+          </a:p>
+        </p:txBody>
+      </p:sp>
+    </p:spTree>
+    <p:extLst>
+      <p:ext uri="{BB962C8B-B14F-4D97-AF65-F5344CB8AC3E}">
+        <p14:creationId xmlns:p14="http://schemas.microsoft.com/office/powerpoint/2010/main" val="1649658032"/>
+      </p:ext>
+    </p:extLst>
+  </p:cSld>
+  <p:clrMapOvr>
+    <a:masterClrMapping/>
+  </p:clrMapOvr>
+</p:sld>
+</file>
+
+<file path=ppt/slides/slide11.xml><?xml version="1.0" encoding="utf-8"?>
+<p:sld xmlns:a="http://schemas.openxmlformats.org/drawingml/2006/main" xmlns:r="http://schemas.openxmlformats.org/officeDocument/2006/relationships" xmlns:p="http://schemas.openxmlformats.org/presentationml/2006/main">
+  <p:cSld>
+    <p:spTree>
+      <p:nvGrpSpPr>
+        <p:cNvPr id="1" name=""/>
+        <p:cNvGrpSpPr/>
+        <p:nvPr/>
+      </p:nvGrpSpPr>
+      <p:grpSpPr>
+        <a:xfrm>
+          <a:off x="0" y="0"/>
+          <a:ext cx="0" cy="0"/>
+          <a:chOff x="0" y="0"/>
+          <a:chExt cx="0" cy="0"/>
+        </a:xfrm>
+      </p:grpSpPr>
+      <p:sp>
+        <p:nvSpPr>
+          <p:cNvPr id="2" name="Title 1">
+            <a:extLst>
+              <a:ext uri="{FF2B5EF4-FFF2-40B4-BE49-F238E27FC236}">
                 <a16:creationId xmlns:a16="http://schemas.microsoft.com/office/drawing/2014/main" id="{FA7A054A-7CAC-4B3D-BFF6-DE2A3A53BF44}"/>
               </a:ext>
             </a:extLst>
@@ -7805,6 +9274,32 @@
 <file path=ppt/slides/slide2.xml><?xml version="1.0" encoding="utf-8"?>
 <p:sld xmlns:a="http://schemas.openxmlformats.org/drawingml/2006/main" xmlns:r="http://schemas.openxmlformats.org/officeDocument/2006/relationships" xmlns:p="http://schemas.openxmlformats.org/presentationml/2006/main">
   <p:cSld>
+    <p:bg>
+      <p:bgPr>
+        <a:gradFill rotWithShape="1">
+          <a:gsLst>
+            <a:gs pos="0">
+              <a:schemeClr val="bg2">
+                <a:tint val="90000"/>
+                <a:satMod val="92000"/>
+                <a:lumMod val="120000"/>
+              </a:schemeClr>
+            </a:gs>
+            <a:gs pos="100000">
+              <a:schemeClr val="bg2">
+                <a:shade val="98000"/>
+                <a:satMod val="120000"/>
+                <a:lumMod val="98000"/>
+              </a:schemeClr>
+            </a:gs>
+          </a:gsLst>
+          <a:path path="circle">
+            <a:fillToRect l="50000" t="50000" r="100000" b="100000"/>
+          </a:path>
+        </a:gradFill>
+        <a:effectLst/>
+      </p:bgPr>
+    </p:bg>
     <p:spTree>
       <p:nvGrpSpPr>
         <p:cNvPr id="1" name=""/>
@@ -7819,12 +9314,569 @@
           <a:chExt cx="0" cy="0"/>
         </a:xfrm>
       </p:grpSpPr>
+      <p:sp useBgFill="1">
+        <p:nvSpPr>
+          <p:cNvPr id="11" name="Rectangle 10">
+            <a:extLst>
+              <a:ext uri="{FF2B5EF4-FFF2-40B4-BE49-F238E27FC236}">
+                <a16:creationId xmlns:a16="http://schemas.microsoft.com/office/drawing/2014/main" id="{2B258D2B-6AC3-4B3A-A87C-FD7E6517826E}"/>
+              </a:ext>
+              <a:ext uri="{C183D7F6-B498-43B3-948B-1728B52AA6E4}">
+                <adec:decorative xmlns:adec="http://schemas.microsoft.com/office/drawing/2017/decorative" val="1"/>
+              </a:ext>
+            </a:extLst>
+          </p:cNvPr>
+          <p:cNvSpPr>
+            <a:spLocks noGrp="1" noRot="1" noChangeAspect="1" noMove="1" noResize="1" noEditPoints="1" noAdjustHandles="1" noChangeArrowheads="1" noChangeShapeType="1" noTextEdit="1"/>
+          </p:cNvSpPr>
+          <p:nvPr>
+            <p:extLst>
+              <p:ext uri="{386F3935-93C4-4BCD-93E2-E3B085C9AB24}">
+                <p16:designElem xmlns:p16="http://schemas.microsoft.com/office/powerpoint/2015/main" val="1"/>
+              </p:ext>
+            </p:extLst>
+          </p:nvPr>
+        </p:nvSpPr>
+        <p:spPr>
+          <a:xfrm>
+            <a:off x="-7620" y="-1"/>
+            <a:ext cx="12207240" cy="6858001"/>
+          </a:xfrm>
+          <a:prstGeom prst="rect">
+            <a:avLst/>
+          </a:prstGeom>
+          <a:ln>
+            <a:noFill/>
+          </a:ln>
+        </p:spPr>
+        <p:style>
+          <a:lnRef idx="2">
+            <a:schemeClr val="accent1">
+              <a:shade val="50000"/>
+            </a:schemeClr>
+          </a:lnRef>
+          <a:fillRef idx="1">
+            <a:schemeClr val="accent1"/>
+          </a:fillRef>
+          <a:effectRef idx="0">
+            <a:schemeClr val="accent1"/>
+          </a:effectRef>
+          <a:fontRef idx="minor">
+            <a:schemeClr val="lt1"/>
+          </a:fontRef>
+        </p:style>
+        <p:txBody>
+          <a:bodyPr rot="0" spcFirstLastPara="0" vert="horz" wrap="square" lIns="91440" tIns="45720" rIns="91440" bIns="45720" numCol="1" spcCol="0" rtlCol="0" fromWordArt="0" anchor="ctr" anchorCtr="0" forceAA="0" compatLnSpc="1">
+            <a:prstTxWarp prst="textNoShape">
+              <a:avLst/>
+            </a:prstTxWarp>
+            <a:noAutofit/>
+          </a:bodyPr>
+          <a:lstStyle>
+            <a:defPPr>
+              <a:defRPr lang="en-US"/>
+            </a:defPPr>
+            <a:lvl1pPr marL="0" algn="l" defTabSz="914400" rtl="0" eaLnBrk="1" latinLnBrk="0" hangingPunct="1">
+              <a:defRPr sz="1800" kern="1200">
+                <a:solidFill>
+                  <a:schemeClr val="lt1"/>
+                </a:solidFill>
+                <a:latin typeface="+mn-lt"/>
+                <a:ea typeface="+mn-ea"/>
+                <a:cs typeface="+mn-cs"/>
+              </a:defRPr>
+            </a:lvl1pPr>
+            <a:lvl2pPr marL="457200" algn="l" defTabSz="914400" rtl="0" eaLnBrk="1" latinLnBrk="0" hangingPunct="1">
+              <a:defRPr sz="1800" kern="1200">
+                <a:solidFill>
+                  <a:schemeClr val="lt1"/>
+                </a:solidFill>
+                <a:latin typeface="+mn-lt"/>
+                <a:ea typeface="+mn-ea"/>
+                <a:cs typeface="+mn-cs"/>
+              </a:defRPr>
+            </a:lvl2pPr>
+            <a:lvl3pPr marL="914400" algn="l" defTabSz="914400" rtl="0" eaLnBrk="1" latinLnBrk="0" hangingPunct="1">
+              <a:defRPr sz="1800" kern="1200">
+                <a:solidFill>
+                  <a:schemeClr val="lt1"/>
+                </a:solidFill>
+                <a:latin typeface="+mn-lt"/>
+                <a:ea typeface="+mn-ea"/>
+                <a:cs typeface="+mn-cs"/>
+              </a:defRPr>
+            </a:lvl3pPr>
+            <a:lvl4pPr marL="1371600" algn="l" defTabSz="914400" rtl="0" eaLnBrk="1" latinLnBrk="0" hangingPunct="1">
+              <a:defRPr sz="1800" kern="1200">
+                <a:solidFill>
+                  <a:schemeClr val="lt1"/>
+                </a:solidFill>
+                <a:latin typeface="+mn-lt"/>
+                <a:ea typeface="+mn-ea"/>
+                <a:cs typeface="+mn-cs"/>
+              </a:defRPr>
+            </a:lvl4pPr>
+            <a:lvl5pPr marL="1828800" algn="l" defTabSz="914400" rtl="0" eaLnBrk="1" latinLnBrk="0" hangingPunct="1">
+              <a:defRPr sz="1800" kern="1200">
+                <a:solidFill>
+                  <a:schemeClr val="lt1"/>
+                </a:solidFill>
+                <a:latin typeface="+mn-lt"/>
+                <a:ea typeface="+mn-ea"/>
+                <a:cs typeface="+mn-cs"/>
+              </a:defRPr>
+            </a:lvl5pPr>
+            <a:lvl6pPr marL="2286000" algn="l" defTabSz="914400" rtl="0" eaLnBrk="1" latinLnBrk="0" hangingPunct="1">
+              <a:defRPr sz="1800" kern="1200">
+                <a:solidFill>
+                  <a:schemeClr val="lt1"/>
+                </a:solidFill>
+                <a:latin typeface="+mn-lt"/>
+                <a:ea typeface="+mn-ea"/>
+                <a:cs typeface="+mn-cs"/>
+              </a:defRPr>
+            </a:lvl6pPr>
+            <a:lvl7pPr marL="2743200" algn="l" defTabSz="914400" rtl="0" eaLnBrk="1" latinLnBrk="0" hangingPunct="1">
+              <a:defRPr sz="1800" kern="1200">
+                <a:solidFill>
+                  <a:schemeClr val="lt1"/>
+                </a:solidFill>
+                <a:latin typeface="+mn-lt"/>
+                <a:ea typeface="+mn-ea"/>
+                <a:cs typeface="+mn-cs"/>
+              </a:defRPr>
+            </a:lvl7pPr>
+            <a:lvl8pPr marL="3200400" algn="l" defTabSz="914400" rtl="0" eaLnBrk="1" latinLnBrk="0" hangingPunct="1">
+              <a:defRPr sz="1800" kern="1200">
+                <a:solidFill>
+                  <a:schemeClr val="lt1"/>
+                </a:solidFill>
+                <a:latin typeface="+mn-lt"/>
+                <a:ea typeface="+mn-ea"/>
+                <a:cs typeface="+mn-cs"/>
+              </a:defRPr>
+            </a:lvl8pPr>
+            <a:lvl9pPr marL="3657600" algn="l" defTabSz="914400" rtl="0" eaLnBrk="1" latinLnBrk="0" hangingPunct="1">
+              <a:defRPr sz="1800" kern="1200">
+                <a:solidFill>
+                  <a:schemeClr val="lt1"/>
+                </a:solidFill>
+                <a:latin typeface="+mn-lt"/>
+                <a:ea typeface="+mn-ea"/>
+                <a:cs typeface="+mn-cs"/>
+              </a:defRPr>
+            </a:lvl9pPr>
+          </a:lstStyle>
+          <a:p>
+            <a:pPr algn="ctr"/>
+            <a:endParaRPr lang="en-US"/>
+          </a:p>
+        </p:txBody>
+      </p:sp>
+      <p:pic>
+        <p:nvPicPr>
+          <p:cNvPr id="6" name="Picture 5">
+            <a:extLst>
+              <a:ext uri="{FF2B5EF4-FFF2-40B4-BE49-F238E27FC236}">
+                <a16:creationId xmlns:a16="http://schemas.microsoft.com/office/drawing/2014/main" id="{4473D5C9-0EAD-413E-B962-AD4B27954A89}"/>
+              </a:ext>
+            </a:extLst>
+          </p:cNvPr>
+          <p:cNvPicPr>
+            <a:picLocks noChangeAspect="1"/>
+          </p:cNvPicPr>
+          <p:nvPr/>
+        </p:nvPicPr>
+        <p:blipFill rotWithShape="1">
+          <a:blip r:embed="rId3"/>
+          <a:srcRect l="18257" r="711" b="1"/>
+          <a:stretch/>
+        </p:blipFill>
+        <p:spPr>
+          <a:xfrm>
+            <a:off x="1" y="10"/>
+            <a:ext cx="7574440" cy="6857990"/>
+          </a:xfrm>
+          <a:prstGeom prst="rect">
+            <a:avLst/>
+          </a:prstGeom>
+        </p:spPr>
+      </p:pic>
+      <p:sp>
+        <p:nvSpPr>
+          <p:cNvPr id="16" name="Freeform 5">
+            <a:extLst>
+              <a:ext uri="{FF2B5EF4-FFF2-40B4-BE49-F238E27FC236}">
+                <a16:creationId xmlns:a16="http://schemas.microsoft.com/office/drawing/2014/main" id="{8D55DD8B-9BF9-4B91-A22D-2D3F2AEFF189}"/>
+              </a:ext>
+              <a:ext uri="{C183D7F6-B498-43B3-948B-1728B52AA6E4}">
+                <adec:decorative xmlns:adec="http://schemas.microsoft.com/office/drawing/2017/decorative" val="1"/>
+              </a:ext>
+            </a:extLst>
+          </p:cNvPr>
+          <p:cNvSpPr>
+            <a:spLocks noGrp="1" noRot="1" noChangeAspect="1" noMove="1" noResize="1" noEditPoints="1" noAdjustHandles="1" noChangeArrowheads="1" noChangeShapeType="1" noTextEdit="1"/>
+          </p:cNvSpPr>
+          <p:nvPr>
+            <p:extLst>
+              <p:ext uri="{386F3935-93C4-4BCD-93E2-E3B085C9AB24}">
+                <p16:designElem xmlns:p16="http://schemas.microsoft.com/office/powerpoint/2015/main" val="1"/>
+              </p:ext>
+            </p:extLst>
+          </p:nvPr>
+        </p:nvSpPr>
+        <p:spPr bwMode="grayWhite">
+          <a:xfrm>
+            <a:off x="1" y="659027"/>
+            <a:ext cx="9042690" cy="1035152"/>
+          </a:xfrm>
+          <a:custGeom>
+            <a:avLst/>
+            <a:gdLst>
+              <a:gd name="T0" fmla="*/ 1900 w 1902"/>
+              <a:gd name="T1" fmla="*/ 77 h 163"/>
+              <a:gd name="T2" fmla="*/ 1826 w 1902"/>
+              <a:gd name="T3" fmla="*/ 3 h 163"/>
+              <a:gd name="T4" fmla="*/ 1825 w 1902"/>
+              <a:gd name="T5" fmla="*/ 2 h 163"/>
+              <a:gd name="T6" fmla="*/ 1819 w 1902"/>
+              <a:gd name="T7" fmla="*/ 0 h 163"/>
+              <a:gd name="T8" fmla="*/ 1363 w 1902"/>
+              <a:gd name="T9" fmla="*/ 0 h 163"/>
+              <a:gd name="T10" fmla="*/ 1348 w 1902"/>
+              <a:gd name="T11" fmla="*/ 0 h 163"/>
+              <a:gd name="T12" fmla="*/ 1225 w 1902"/>
+              <a:gd name="T13" fmla="*/ 0 h 163"/>
+              <a:gd name="T14" fmla="*/ 1033 w 1902"/>
+              <a:gd name="T15" fmla="*/ 0 h 163"/>
+              <a:gd name="T16" fmla="*/ 892 w 1902"/>
+              <a:gd name="T17" fmla="*/ 0 h 163"/>
+              <a:gd name="T18" fmla="*/ 786 w 1902"/>
+              <a:gd name="T19" fmla="*/ 0 h 163"/>
+              <a:gd name="T20" fmla="*/ 577 w 1902"/>
+              <a:gd name="T21" fmla="*/ 0 h 163"/>
+              <a:gd name="T22" fmla="*/ 562 w 1902"/>
+              <a:gd name="T23" fmla="*/ 0 h 163"/>
+              <a:gd name="T24" fmla="*/ 439 w 1902"/>
+              <a:gd name="T25" fmla="*/ 0 h 163"/>
+              <a:gd name="T26" fmla="*/ 106 w 1902"/>
+              <a:gd name="T27" fmla="*/ 0 h 163"/>
+              <a:gd name="T28" fmla="*/ 0 w 1902"/>
+              <a:gd name="T29" fmla="*/ 0 h 163"/>
+              <a:gd name="T30" fmla="*/ 0 w 1902"/>
+              <a:gd name="T31" fmla="*/ 163 h 163"/>
+              <a:gd name="T32" fmla="*/ 106 w 1902"/>
+              <a:gd name="T33" fmla="*/ 163 h 163"/>
+              <a:gd name="T34" fmla="*/ 439 w 1902"/>
+              <a:gd name="T35" fmla="*/ 163 h 163"/>
+              <a:gd name="T36" fmla="*/ 562 w 1902"/>
+              <a:gd name="T37" fmla="*/ 163 h 163"/>
+              <a:gd name="T38" fmla="*/ 577 w 1902"/>
+              <a:gd name="T39" fmla="*/ 163 h 163"/>
+              <a:gd name="T40" fmla="*/ 786 w 1902"/>
+              <a:gd name="T41" fmla="*/ 163 h 163"/>
+              <a:gd name="T42" fmla="*/ 892 w 1902"/>
+              <a:gd name="T43" fmla="*/ 163 h 163"/>
+              <a:gd name="T44" fmla="*/ 1033 w 1902"/>
+              <a:gd name="T45" fmla="*/ 163 h 163"/>
+              <a:gd name="T46" fmla="*/ 1225 w 1902"/>
+              <a:gd name="T47" fmla="*/ 163 h 163"/>
+              <a:gd name="T48" fmla="*/ 1348 w 1902"/>
+              <a:gd name="T49" fmla="*/ 163 h 163"/>
+              <a:gd name="T50" fmla="*/ 1363 w 1902"/>
+              <a:gd name="T51" fmla="*/ 163 h 163"/>
+              <a:gd name="T52" fmla="*/ 1819 w 1902"/>
+              <a:gd name="T53" fmla="*/ 163 h 163"/>
+              <a:gd name="T54" fmla="*/ 1825 w 1902"/>
+              <a:gd name="T55" fmla="*/ 161 h 163"/>
+              <a:gd name="T56" fmla="*/ 1826 w 1902"/>
+              <a:gd name="T57" fmla="*/ 160 h 163"/>
+              <a:gd name="T58" fmla="*/ 1900 w 1902"/>
+              <a:gd name="T59" fmla="*/ 86 h 163"/>
+              <a:gd name="T60" fmla="*/ 1900 w 1902"/>
+              <a:gd name="T61" fmla="*/ 77 h 163"/>
+            </a:gdLst>
+            <a:ahLst/>
+            <a:cxnLst>
+              <a:cxn ang="0">
+                <a:pos x="T0" y="T1"/>
+              </a:cxn>
+              <a:cxn ang="0">
+                <a:pos x="T2" y="T3"/>
+              </a:cxn>
+              <a:cxn ang="0">
+                <a:pos x="T4" y="T5"/>
+              </a:cxn>
+              <a:cxn ang="0">
+                <a:pos x="T6" y="T7"/>
+              </a:cxn>
+              <a:cxn ang="0">
+                <a:pos x="T8" y="T9"/>
+              </a:cxn>
+              <a:cxn ang="0">
+                <a:pos x="T10" y="T11"/>
+              </a:cxn>
+              <a:cxn ang="0">
+                <a:pos x="T12" y="T13"/>
+              </a:cxn>
+              <a:cxn ang="0">
+                <a:pos x="T14" y="T15"/>
+              </a:cxn>
+              <a:cxn ang="0">
+                <a:pos x="T16" y="T17"/>
+              </a:cxn>
+              <a:cxn ang="0">
+                <a:pos x="T18" y="T19"/>
+              </a:cxn>
+              <a:cxn ang="0">
+                <a:pos x="T20" y="T21"/>
+              </a:cxn>
+              <a:cxn ang="0">
+                <a:pos x="T22" y="T23"/>
+              </a:cxn>
+              <a:cxn ang="0">
+                <a:pos x="T24" y="T25"/>
+              </a:cxn>
+              <a:cxn ang="0">
+                <a:pos x="T26" y="T27"/>
+              </a:cxn>
+              <a:cxn ang="0">
+                <a:pos x="T28" y="T29"/>
+              </a:cxn>
+              <a:cxn ang="0">
+                <a:pos x="T30" y="T31"/>
+              </a:cxn>
+              <a:cxn ang="0">
+                <a:pos x="T32" y="T33"/>
+              </a:cxn>
+              <a:cxn ang="0">
+                <a:pos x="T34" y="T35"/>
+              </a:cxn>
+              <a:cxn ang="0">
+                <a:pos x="T36" y="T37"/>
+              </a:cxn>
+              <a:cxn ang="0">
+                <a:pos x="T38" y="T39"/>
+              </a:cxn>
+              <a:cxn ang="0">
+                <a:pos x="T40" y="T41"/>
+              </a:cxn>
+              <a:cxn ang="0">
+                <a:pos x="T42" y="T43"/>
+              </a:cxn>
+              <a:cxn ang="0">
+                <a:pos x="T44" y="T45"/>
+              </a:cxn>
+              <a:cxn ang="0">
+                <a:pos x="T46" y="T47"/>
+              </a:cxn>
+              <a:cxn ang="0">
+                <a:pos x="T48" y="T49"/>
+              </a:cxn>
+              <a:cxn ang="0">
+                <a:pos x="T50" y="T51"/>
+              </a:cxn>
+              <a:cxn ang="0">
+                <a:pos x="T52" y="T53"/>
+              </a:cxn>
+              <a:cxn ang="0">
+                <a:pos x="T54" y="T55"/>
+              </a:cxn>
+              <a:cxn ang="0">
+                <a:pos x="T56" y="T57"/>
+              </a:cxn>
+              <a:cxn ang="0">
+                <a:pos x="T58" y="T59"/>
+              </a:cxn>
+              <a:cxn ang="0">
+                <a:pos x="T60" y="T61"/>
+              </a:cxn>
+            </a:cxnLst>
+            <a:rect l="0" t="0" r="r" b="b"/>
+            <a:pathLst>
+              <a:path w="1902" h="163">
+                <a:moveTo>
+                  <a:pt x="1900" y="77"/>
+                </a:moveTo>
+                <a:cubicBezTo>
+                  <a:pt x="1826" y="3"/>
+                  <a:pt x="1826" y="3"/>
+                  <a:pt x="1826" y="3"/>
+                </a:cubicBezTo>
+                <a:cubicBezTo>
+                  <a:pt x="1825" y="2"/>
+                  <a:pt x="1825" y="2"/>
+                  <a:pt x="1825" y="2"/>
+                </a:cubicBezTo>
+                <a:cubicBezTo>
+                  <a:pt x="1823" y="1"/>
+                  <a:pt x="1821" y="0"/>
+                  <a:pt x="1819" y="0"/>
+                </a:cubicBezTo>
+                <a:cubicBezTo>
+                  <a:pt x="1363" y="0"/>
+                  <a:pt x="1363" y="0"/>
+                  <a:pt x="1363" y="0"/>
+                </a:cubicBezTo>
+                <a:cubicBezTo>
+                  <a:pt x="1348" y="0"/>
+                  <a:pt x="1348" y="0"/>
+                  <a:pt x="1348" y="0"/>
+                </a:cubicBezTo>
+                <a:cubicBezTo>
+                  <a:pt x="1225" y="0"/>
+                  <a:pt x="1225" y="0"/>
+                  <a:pt x="1225" y="0"/>
+                </a:cubicBezTo>
+                <a:cubicBezTo>
+                  <a:pt x="1033" y="0"/>
+                  <a:pt x="1033" y="0"/>
+                  <a:pt x="1033" y="0"/>
+                </a:cubicBezTo>
+                <a:cubicBezTo>
+                  <a:pt x="892" y="0"/>
+                  <a:pt x="892" y="0"/>
+                  <a:pt x="892" y="0"/>
+                </a:cubicBezTo>
+                <a:cubicBezTo>
+                  <a:pt x="786" y="0"/>
+                  <a:pt x="786" y="0"/>
+                  <a:pt x="786" y="0"/>
+                </a:cubicBezTo>
+                <a:cubicBezTo>
+                  <a:pt x="577" y="0"/>
+                  <a:pt x="577" y="0"/>
+                  <a:pt x="577" y="0"/>
+                </a:cubicBezTo>
+                <a:cubicBezTo>
+                  <a:pt x="562" y="0"/>
+                  <a:pt x="562" y="0"/>
+                  <a:pt x="562" y="0"/>
+                </a:cubicBezTo>
+                <a:cubicBezTo>
+                  <a:pt x="439" y="0"/>
+                  <a:pt x="439" y="0"/>
+                  <a:pt x="439" y="0"/>
+                </a:cubicBezTo>
+                <a:cubicBezTo>
+                  <a:pt x="106" y="0"/>
+                  <a:pt x="106" y="0"/>
+                  <a:pt x="106" y="0"/>
+                </a:cubicBezTo>
+                <a:cubicBezTo>
+                  <a:pt x="0" y="0"/>
+                  <a:pt x="0" y="0"/>
+                  <a:pt x="0" y="0"/>
+                </a:cubicBezTo>
+                <a:cubicBezTo>
+                  <a:pt x="0" y="163"/>
+                  <a:pt x="0" y="163"/>
+                  <a:pt x="0" y="163"/>
+                </a:cubicBezTo>
+                <a:cubicBezTo>
+                  <a:pt x="106" y="163"/>
+                  <a:pt x="106" y="163"/>
+                  <a:pt x="106" y="163"/>
+                </a:cubicBezTo>
+                <a:cubicBezTo>
+                  <a:pt x="439" y="163"/>
+                  <a:pt x="439" y="163"/>
+                  <a:pt x="439" y="163"/>
+                </a:cubicBezTo>
+                <a:cubicBezTo>
+                  <a:pt x="562" y="163"/>
+                  <a:pt x="562" y="163"/>
+                  <a:pt x="562" y="163"/>
+                </a:cubicBezTo>
+                <a:cubicBezTo>
+                  <a:pt x="577" y="163"/>
+                  <a:pt x="577" y="163"/>
+                  <a:pt x="577" y="163"/>
+                </a:cubicBezTo>
+                <a:cubicBezTo>
+                  <a:pt x="786" y="163"/>
+                  <a:pt x="786" y="163"/>
+                  <a:pt x="786" y="163"/>
+                </a:cubicBezTo>
+                <a:cubicBezTo>
+                  <a:pt x="892" y="163"/>
+                  <a:pt x="892" y="163"/>
+                  <a:pt x="892" y="163"/>
+                </a:cubicBezTo>
+                <a:cubicBezTo>
+                  <a:pt x="1033" y="163"/>
+                  <a:pt x="1033" y="163"/>
+                  <a:pt x="1033" y="163"/>
+                </a:cubicBezTo>
+                <a:cubicBezTo>
+                  <a:pt x="1225" y="163"/>
+                  <a:pt x="1225" y="163"/>
+                  <a:pt x="1225" y="163"/>
+                </a:cubicBezTo>
+                <a:cubicBezTo>
+                  <a:pt x="1348" y="163"/>
+                  <a:pt x="1348" y="163"/>
+                  <a:pt x="1348" y="163"/>
+                </a:cubicBezTo>
+                <a:cubicBezTo>
+                  <a:pt x="1363" y="163"/>
+                  <a:pt x="1363" y="163"/>
+                  <a:pt x="1363" y="163"/>
+                </a:cubicBezTo>
+                <a:cubicBezTo>
+                  <a:pt x="1819" y="163"/>
+                  <a:pt x="1819" y="163"/>
+                  <a:pt x="1819" y="163"/>
+                </a:cubicBezTo>
+                <a:cubicBezTo>
+                  <a:pt x="1821" y="163"/>
+                  <a:pt x="1823" y="162"/>
+                  <a:pt x="1825" y="161"/>
+                </a:cubicBezTo>
+                <a:cubicBezTo>
+                  <a:pt x="1825" y="160"/>
+                  <a:pt x="1825" y="160"/>
+                  <a:pt x="1826" y="160"/>
+                </a:cubicBezTo>
+                <a:cubicBezTo>
+                  <a:pt x="1900" y="86"/>
+                  <a:pt x="1900" y="86"/>
+                  <a:pt x="1900" y="86"/>
+                </a:cubicBezTo>
+                <a:cubicBezTo>
+                  <a:pt x="1902" y="83"/>
+                  <a:pt x="1902" y="79"/>
+                  <a:pt x="1900" y="77"/>
+                </a:cubicBezTo>
+                <a:close/>
+              </a:path>
+            </a:pathLst>
+          </a:custGeom>
+          <a:solidFill>
+            <a:schemeClr val="accent1"/>
+          </a:solidFill>
+          <a:ln>
+            <a:noFill/>
+          </a:ln>
+        </p:spPr>
+        <p:txBody>
+          <a:bodyPr vert="horz" wrap="square" lIns="91440" tIns="45720" rIns="91440" bIns="45720" numCol="1" anchor="t" anchorCtr="0" compatLnSpc="1">
+            <a:prstTxWarp prst="textNoShape">
+              <a:avLst/>
+            </a:prstTxWarp>
+          </a:bodyPr>
+          <a:lstStyle/>
+          <a:p>
+            <a:endParaRPr lang="en-US"/>
+          </a:p>
+        </p:txBody>
+      </p:sp>
       <p:sp>
         <p:nvSpPr>
           <p:cNvPr id="2" name="Title 1">
             <a:extLst>
               <a:ext uri="{FF2B5EF4-FFF2-40B4-BE49-F238E27FC236}">
-                <a16:creationId xmlns:a16="http://schemas.microsoft.com/office/drawing/2014/main" id="{53F70EBE-4BD4-4D99-B413-D817EB019D12}"/>
+                <a16:creationId xmlns:a16="http://schemas.microsoft.com/office/drawing/2014/main" id="{6BBCA3A9-327E-4F72-9D32-8C99ABFA36CF}"/>
               </a:ext>
             </a:extLst>
           </p:cNvPr>
@@ -7835,14 +9887,30 @@
             <p:ph type="title"/>
           </p:nvPr>
         </p:nvSpPr>
-        <p:spPr/>
-        <p:txBody>
-          <a:bodyPr/>
+        <p:spPr>
+          <a:xfrm>
+            <a:off x="541867" y="787400"/>
+            <a:ext cx="7145866" cy="778933"/>
+          </a:xfrm>
+        </p:spPr>
+        <p:txBody>
+          <a:bodyPr anchor="ctr">
+            <a:normAutofit/>
+          </a:bodyPr>
           <a:lstStyle/>
           <a:p>
-            <a:r>
-              <a:rPr lang="en-US" dirty="0"/>
-              <a:t>What is a coronavirus and why is it topical</a:t>
+            <a:pPr>
+              <a:lnSpc>
+                <a:spcPct val="90000"/>
+              </a:lnSpc>
+            </a:pPr>
+            <a:r>
+              <a:rPr lang="en-US" sz="2500">
+                <a:solidFill>
+                  <a:srgbClr val="FEFFFF"/>
+                </a:solidFill>
+              </a:rPr>
+              <a:t>Why is everyone talking about Coronavirus</a:t>
             </a:r>
           </a:p>
         </p:txBody>
@@ -7852,7 +9920,7 @@
           <p:cNvPr id="3" name="Content Placeholder 2">
             <a:extLst>
               <a:ext uri="{FF2B5EF4-FFF2-40B4-BE49-F238E27FC236}">
-                <a16:creationId xmlns:a16="http://schemas.microsoft.com/office/drawing/2014/main" id="{34EA56EE-967B-4BE6-B459-9DD960810C14}"/>
+                <a16:creationId xmlns:a16="http://schemas.microsoft.com/office/drawing/2014/main" id="{7B794035-C4B3-470C-A289-77071C70577A}"/>
               </a:ext>
             </a:extLst>
           </p:cNvPr>
@@ -7863,19 +9931,168 @@
             <p:ph idx="1"/>
           </p:nvPr>
         </p:nvSpPr>
-        <p:spPr/>
-        <p:txBody>
-          <a:bodyPr/>
+        <p:spPr>
+          <a:xfrm>
+            <a:off x="7860770" y="2017668"/>
+            <a:ext cx="3750205" cy="3857816"/>
+          </a:xfrm>
+        </p:spPr>
+        <p:txBody>
+          <a:bodyPr>
+            <a:normAutofit/>
+          </a:bodyPr>
           <a:lstStyle/>
           <a:p>
-            <a:endParaRPr lang="en-US"/>
+            <a:r>
+              <a:rPr lang="en-US" dirty="0">
+                <a:solidFill>
+                  <a:schemeClr val="tx1">
+                    <a:lumMod val="95000"/>
+                    <a:lumOff val="5000"/>
+                  </a:schemeClr>
+                </a:solidFill>
+              </a:rPr>
+              <a:t>Corona Virus Disease 2019</a:t>
+            </a:r>
+            <a:br>
+              <a:rPr lang="en-US" dirty="0">
+                <a:solidFill>
+                  <a:schemeClr val="tx1">
+                    <a:lumMod val="95000"/>
+                    <a:lumOff val="5000"/>
+                  </a:schemeClr>
+                </a:solidFill>
+              </a:rPr>
+            </a:br>
+            <a:endParaRPr lang="en-US" dirty="0">
+              <a:solidFill>
+                <a:schemeClr val="tx1">
+                  <a:lumMod val="95000"/>
+                  <a:lumOff val="5000"/>
+                </a:schemeClr>
+              </a:solidFill>
+            </a:endParaRPr>
+          </a:p>
+          <a:p>
+            <a:r>
+              <a:rPr lang="en-US" dirty="0">
+                <a:solidFill>
+                  <a:schemeClr val="tx1">
+                    <a:lumMod val="95000"/>
+                    <a:lumOff val="5000"/>
+                  </a:schemeClr>
+                </a:solidFill>
+              </a:rPr>
+              <a:t>Uncertainty drives panic</a:t>
+            </a:r>
+          </a:p>
+          <a:p>
+            <a:pPr lvl="1"/>
+            <a:r>
+              <a:rPr lang="en-US" dirty="0">
+                <a:solidFill>
+                  <a:schemeClr val="tx1">
+                    <a:lumMod val="95000"/>
+                    <a:lumOff val="5000"/>
+                  </a:schemeClr>
+                </a:solidFill>
+              </a:rPr>
+              <a:t>City-Wide Curfews</a:t>
+            </a:r>
+          </a:p>
+          <a:p>
+            <a:pPr lvl="1"/>
+            <a:r>
+              <a:rPr lang="en-US" dirty="0">
+                <a:solidFill>
+                  <a:schemeClr val="tx1">
+                    <a:lumMod val="95000"/>
+                    <a:lumOff val="5000"/>
+                  </a:schemeClr>
+                </a:solidFill>
+              </a:rPr>
+              <a:t>Grocery Stores Emptied</a:t>
+            </a:r>
+          </a:p>
+          <a:p>
+            <a:pPr lvl="1"/>
+            <a:r>
+              <a:rPr lang="en-US" dirty="0">
+                <a:solidFill>
+                  <a:schemeClr val="tx1">
+                    <a:lumMod val="95000"/>
+                    <a:lumOff val="5000"/>
+                  </a:schemeClr>
+                </a:solidFill>
+              </a:rPr>
+              <a:t>Global Recession</a:t>
+            </a:r>
+            <a:br>
+              <a:rPr lang="en-US" dirty="0">
+                <a:solidFill>
+                  <a:schemeClr val="tx1">
+                    <a:lumMod val="95000"/>
+                    <a:lumOff val="5000"/>
+                  </a:schemeClr>
+                </a:solidFill>
+              </a:rPr>
+            </a:br>
+            <a:endParaRPr lang="en-US" dirty="0">
+              <a:solidFill>
+                <a:schemeClr val="tx1">
+                  <a:lumMod val="95000"/>
+                  <a:lumOff val="5000"/>
+                </a:schemeClr>
+              </a:solidFill>
+            </a:endParaRPr>
+          </a:p>
+          <a:p>
+            <a:r>
+              <a:rPr lang="en-US" dirty="0">
+                <a:solidFill>
+                  <a:schemeClr val="tx1">
+                    <a:lumMod val="95000"/>
+                    <a:lumOff val="5000"/>
+                  </a:schemeClr>
+                </a:solidFill>
+              </a:rPr>
+              <a:t>Mortality Rates lack context</a:t>
+            </a:r>
+          </a:p>
+          <a:p>
+            <a:pPr lvl="1"/>
+            <a:r>
+              <a:rPr lang="en-US" dirty="0">
+                <a:solidFill>
+                  <a:schemeClr val="tx1">
+                    <a:lumMod val="95000"/>
+                    <a:lumOff val="5000"/>
+                  </a:schemeClr>
+                </a:solidFill>
+              </a:rPr>
+              <a:t>Incorrect use of average</a:t>
+            </a:r>
+          </a:p>
+          <a:p>
+            <a:pPr lvl="1"/>
+            <a:r>
+              <a:rPr lang="en-US" dirty="0">
+                <a:solidFill>
+                  <a:schemeClr val="tx1">
+                    <a:lumMod val="95000"/>
+                    <a:lumOff val="5000"/>
+                  </a:schemeClr>
+                </a:solidFill>
+              </a:rPr>
+              <a:t>Rates lack context</a:t>
+            </a:r>
           </a:p>
         </p:txBody>
       </p:sp>
     </p:spTree>
     <p:extLst>
       <p:ext uri="{BB962C8B-B14F-4D97-AF65-F5344CB8AC3E}">
-        <p14:creationId xmlns:p14="http://schemas.microsoft.com/office/powerpoint/2010/main" val="336181646"/>
+        <p14:creationId xmlns:p14="http://schemas.microsoft.com/office/powerpoint/2010/main" val="433730513"/>
       </p:ext>
     </p:extLst>
   </p:cSld>
@@ -7888,6 +10105,32 @@
 <file path=ppt/slides/slide3.xml><?xml version="1.0" encoding="utf-8"?>
 <p:sld xmlns:a="http://schemas.openxmlformats.org/drawingml/2006/main" xmlns:r="http://schemas.openxmlformats.org/officeDocument/2006/relationships" xmlns:p="http://schemas.openxmlformats.org/presentationml/2006/main">
   <p:cSld>
+    <p:bg>
+      <p:bgPr>
+        <a:gradFill rotWithShape="1">
+          <a:gsLst>
+            <a:gs pos="0">
+              <a:schemeClr val="bg2">
+                <a:tint val="90000"/>
+                <a:satMod val="92000"/>
+                <a:lumMod val="120000"/>
+              </a:schemeClr>
+            </a:gs>
+            <a:gs pos="100000">
+              <a:schemeClr val="bg2">
+                <a:shade val="98000"/>
+                <a:satMod val="120000"/>
+                <a:lumMod val="98000"/>
+              </a:schemeClr>
+            </a:gs>
+          </a:gsLst>
+          <a:path path="circle">
+            <a:fillToRect l="50000" t="50000" r="100000" b="100000"/>
+          </a:path>
+        </a:gradFill>
+        <a:effectLst/>
+      </p:bgPr>
+    </p:bg>
     <p:spTree>
       <p:nvGrpSpPr>
         <p:cNvPr id="1" name=""/>
@@ -7902,12 +10145,72 @@
           <a:chExt cx="0" cy="0"/>
         </a:xfrm>
       </p:grpSpPr>
+      <p:sp useBgFill="1">
+        <p:nvSpPr>
+          <p:cNvPr id="9" name="Rectangle 8">
+            <a:extLst>
+              <a:ext uri="{FF2B5EF4-FFF2-40B4-BE49-F238E27FC236}">
+                <a16:creationId xmlns:a16="http://schemas.microsoft.com/office/drawing/2014/main" id="{3F4C104D-5F30-4811-9376-566B26E4719A}"/>
+              </a:ext>
+              <a:ext uri="{C183D7F6-B498-43B3-948B-1728B52AA6E4}">
+                <adec:decorative xmlns:adec="http://schemas.microsoft.com/office/drawing/2017/decorative" val="1"/>
+              </a:ext>
+            </a:extLst>
+          </p:cNvPr>
+          <p:cNvSpPr>
+            <a:spLocks noGrp="1" noRot="1" noChangeAspect="1" noMove="1" noResize="1" noEditPoints="1" noAdjustHandles="1" noChangeArrowheads="1" noChangeShapeType="1" noTextEdit="1"/>
+          </p:cNvSpPr>
+          <p:nvPr>
+            <p:extLst>
+              <p:ext uri="{386F3935-93C4-4BCD-93E2-E3B085C9AB24}">
+                <p16:designElem xmlns:p16="http://schemas.microsoft.com/office/powerpoint/2015/main" val="1"/>
+              </p:ext>
+            </p:extLst>
+          </p:nvPr>
+        </p:nvSpPr>
+        <p:spPr>
+          <a:xfrm>
+            <a:off x="0" y="-786"/>
+            <a:ext cx="12192000" cy="6854038"/>
+          </a:xfrm>
+          <a:prstGeom prst="rect">
+            <a:avLst/>
+          </a:prstGeom>
+          <a:ln>
+            <a:noFill/>
+          </a:ln>
+        </p:spPr>
+        <p:style>
+          <a:lnRef idx="2">
+            <a:schemeClr val="accent1">
+              <a:shade val="50000"/>
+            </a:schemeClr>
+          </a:lnRef>
+          <a:fillRef idx="1">
+            <a:schemeClr val="accent1"/>
+          </a:fillRef>
+          <a:effectRef idx="0">
+            <a:schemeClr val="accent1"/>
+          </a:effectRef>
+          <a:fontRef idx="minor">
+            <a:schemeClr val="lt1"/>
+          </a:fontRef>
+        </p:style>
+        <p:txBody>
+          <a:bodyPr rtlCol="0" anchor="ctr"/>
+          <a:lstStyle/>
+          <a:p>
+            <a:pPr algn="ctr"/>
+            <a:endParaRPr lang="en-US"/>
+          </a:p>
+        </p:txBody>
+      </p:sp>
       <p:sp>
         <p:nvSpPr>
           <p:cNvPr id="2" name="Title 1">
             <a:extLst>
               <a:ext uri="{FF2B5EF4-FFF2-40B4-BE49-F238E27FC236}">
-                <a16:creationId xmlns:a16="http://schemas.microsoft.com/office/drawing/2014/main" id="{2DA8D85D-0A45-4AE2-BD7A-6425F91CB68F}"/>
+                <a16:creationId xmlns:a16="http://schemas.microsoft.com/office/drawing/2014/main" id="{53F70EBE-4BD4-4D99-B413-D817EB019D12}"/>
               </a:ext>
             </a:extLst>
           </p:cNvPr>
@@ -7918,24 +10221,85 @@
             <p:ph type="title"/>
           </p:nvPr>
         </p:nvSpPr>
-        <p:spPr/>
-        <p:txBody>
-          <a:bodyPr/>
+        <p:spPr>
+          <a:xfrm>
+            <a:off x="649224" y="645106"/>
+            <a:ext cx="4608576" cy="1259894"/>
+          </a:xfrm>
+        </p:spPr>
+        <p:txBody>
+          <a:bodyPr>
+            <a:normAutofit/>
+          </a:bodyPr>
           <a:lstStyle/>
           <a:p>
             <a:r>
               <a:rPr lang="en-US" dirty="0"/>
-              <a:t>Hypothesis:  A model can more accurately predict mortality rates</a:t>
-            </a:r>
-          </a:p>
-        </p:txBody>
+              <a:t>What is COVID-19</a:t>
+            </a:r>
+          </a:p>
+        </p:txBody>
+      </p:sp>
+      <p:sp>
+        <p:nvSpPr>
+          <p:cNvPr id="11" name="Rectangle 10">
+            <a:extLst>
+              <a:ext uri="{FF2B5EF4-FFF2-40B4-BE49-F238E27FC236}">
+                <a16:creationId xmlns:a16="http://schemas.microsoft.com/office/drawing/2014/main" id="{0815E34B-5D02-4E01-A936-E8E1C0AB6F12}"/>
+              </a:ext>
+              <a:ext uri="{C183D7F6-B498-43B3-948B-1728B52AA6E4}">
+                <adec:decorative xmlns:adec="http://schemas.microsoft.com/office/drawing/2017/decorative" val="1"/>
+              </a:ext>
+            </a:extLst>
+          </p:cNvPr>
+          <p:cNvSpPr>
+            <a:spLocks noGrp="1" noRot="1" noChangeAspect="1" noMove="1" noResize="1" noEditPoints="1" noAdjustHandles="1" noChangeArrowheads="1" noChangeShapeType="1" noTextEdit="1"/>
+          </p:cNvSpPr>
+          <p:nvPr>
+            <p:extLst>
+              <p:ext uri="{386F3935-93C4-4BCD-93E2-E3B085C9AB24}">
+                <p16:designElem xmlns:p16="http://schemas.microsoft.com/office/powerpoint/2015/main" val="1"/>
+              </p:ext>
+            </p:extLst>
+          </p:nvPr>
+        </p:nvSpPr>
+        <p:spPr>
+          <a:xfrm>
+            <a:off x="0" y="0"/>
+            <a:ext cx="182880" cy="6858000"/>
+          </a:xfrm>
+          <a:prstGeom prst="rect">
+            <a:avLst/>
+          </a:prstGeom>
+          <a:solidFill>
+            <a:schemeClr val="tx2"/>
+          </a:solidFill>
+          <a:ln>
+            <a:noFill/>
+          </a:ln>
+          <a:effectLst/>
+        </p:spPr>
+        <p:style>
+          <a:lnRef idx="1">
+            <a:schemeClr val="accent1"/>
+          </a:lnRef>
+          <a:fillRef idx="3">
+            <a:schemeClr val="accent1"/>
+          </a:fillRef>
+          <a:effectRef idx="2">
+            <a:schemeClr val="accent1"/>
+          </a:effectRef>
+          <a:fontRef idx="minor">
+            <a:schemeClr val="lt1"/>
+          </a:fontRef>
+        </p:style>
       </p:sp>
       <p:sp>
         <p:nvSpPr>
           <p:cNvPr id="3" name="Content Placeholder 2">
             <a:extLst>
               <a:ext uri="{FF2B5EF4-FFF2-40B4-BE49-F238E27FC236}">
-                <a16:creationId xmlns:a16="http://schemas.microsoft.com/office/drawing/2014/main" id="{12A888FA-44ED-432F-BB9A-A4220697C0C9}"/>
+                <a16:creationId xmlns:a16="http://schemas.microsoft.com/office/drawing/2014/main" id="{34EA56EE-967B-4BE6-B459-9DD960810C14}"/>
               </a:ext>
             </a:extLst>
           </p:cNvPr>
@@ -7946,11 +10310,330 @@
             <p:ph idx="1"/>
           </p:nvPr>
         </p:nvSpPr>
-        <p:spPr/>
-        <p:txBody>
-          <a:bodyPr/>
+        <p:spPr>
+          <a:xfrm>
+            <a:off x="649224" y="1636528"/>
+            <a:ext cx="5446776" cy="4134195"/>
+          </a:xfrm>
+        </p:spPr>
+        <p:txBody>
+          <a:bodyPr>
+            <a:normAutofit/>
+          </a:bodyPr>
           <a:lstStyle/>
           <a:p>
+            <a:r>
+              <a:rPr lang="en-US" dirty="0"/>
+              <a:t>New Respiratory Infection</a:t>
+            </a:r>
+          </a:p>
+          <a:p>
+            <a:pPr lvl="1"/>
+            <a:r>
+              <a:rPr lang="en-US" dirty="0"/>
+              <a:t>Some experience a cold</a:t>
+            </a:r>
+          </a:p>
+          <a:p>
+            <a:pPr lvl="1"/>
+            <a:r>
+              <a:rPr lang="en-US" dirty="0"/>
+              <a:t>Others experience pneumonia</a:t>
+            </a:r>
+            <a:br>
+              <a:rPr lang="en-US" dirty="0"/>
+            </a:br>
+            <a:endParaRPr lang="en-US" dirty="0"/>
+          </a:p>
+          <a:p>
+            <a:r>
+              <a:rPr lang="en-US" dirty="0"/>
+              <a:t>Previous Outbreaks include</a:t>
+            </a:r>
+          </a:p>
+          <a:p>
+            <a:pPr lvl="1"/>
+            <a:r>
+              <a:rPr lang="en-US" dirty="0"/>
+              <a:t>SARS of 2003</a:t>
+            </a:r>
+          </a:p>
+          <a:p>
+            <a:pPr lvl="1"/>
+            <a:r>
+              <a:rPr lang="en-US" dirty="0"/>
+              <a:t>MERS of 2012</a:t>
+            </a:r>
+            <a:br>
+              <a:rPr lang="en-US" dirty="0"/>
+            </a:br>
+            <a:endParaRPr lang="en-US" dirty="0"/>
+          </a:p>
+          <a:p>
+            <a:r>
+              <a:rPr lang="en-US" dirty="0"/>
+              <a:t>Medication exists for the symptoms</a:t>
+            </a:r>
+          </a:p>
+          <a:p>
+            <a:pPr lvl="1"/>
+            <a:r>
+              <a:rPr lang="en-US" dirty="0"/>
+              <a:t>Research won’t have near term solution</a:t>
+            </a:r>
+          </a:p>
+          <a:p>
+            <a:pPr lvl="1"/>
+            <a:r>
+              <a:rPr lang="en-US" dirty="0"/>
+              <a:t>FDA approval further delays </a:t>
+            </a:r>
+          </a:p>
+        </p:txBody>
+      </p:sp>
+      <p:pic>
+        <p:nvPicPr>
+          <p:cNvPr id="4" name="Picture 3">
+            <a:extLst>
+              <a:ext uri="{FF2B5EF4-FFF2-40B4-BE49-F238E27FC236}">
+                <a16:creationId xmlns:a16="http://schemas.microsoft.com/office/drawing/2014/main" id="{55823773-7798-421E-9A3B-E27A182717D4}"/>
+              </a:ext>
+            </a:extLst>
+          </p:cNvPr>
+          <p:cNvPicPr>
+            <a:picLocks noChangeAspect="1"/>
+          </p:cNvPicPr>
+          <p:nvPr/>
+        </p:nvPicPr>
+        <p:blipFill>
+          <a:blip r:embed="rId3"/>
+          <a:stretch>
+            <a:fillRect/>
+          </a:stretch>
+        </p:blipFill>
+        <p:spPr>
+          <a:xfrm>
+            <a:off x="7094133" y="1636528"/>
+            <a:ext cx="4661867" cy="3584943"/>
+          </a:xfrm>
+          <a:prstGeom prst="rect">
+            <a:avLst/>
+          </a:prstGeom>
+        </p:spPr>
+      </p:pic>
+      <p:sp>
+        <p:nvSpPr>
+          <p:cNvPr id="13" name="Freeform 11">
+            <a:extLst>
+              <a:ext uri="{FF2B5EF4-FFF2-40B4-BE49-F238E27FC236}">
+                <a16:creationId xmlns:a16="http://schemas.microsoft.com/office/drawing/2014/main" id="{7DE3414B-B032-4710-A468-D3285E38C5FF}"/>
+              </a:ext>
+              <a:ext uri="{C183D7F6-B498-43B3-948B-1728B52AA6E4}">
+                <adec:decorative xmlns:adec="http://schemas.microsoft.com/office/drawing/2017/decorative" val="1"/>
+              </a:ext>
+            </a:extLst>
+          </p:cNvPr>
+          <p:cNvSpPr>
+            <a:spLocks noGrp="1" noRot="1" noChangeAspect="1" noMove="1" noResize="1" noEditPoints="1" noAdjustHandles="1" noChangeArrowheads="1" noChangeShapeType="1" noTextEdit="1"/>
+          </p:cNvSpPr>
+          <p:nvPr>
+            <p:extLst>
+              <p:ext uri="{386F3935-93C4-4BCD-93E2-E3B085C9AB24}">
+                <p16:designElem xmlns:p16="http://schemas.microsoft.com/office/powerpoint/2015/main" val="1"/>
+              </p:ext>
+            </p:extLst>
+          </p:nvPr>
+        </p:nvSpPr>
+        <p:spPr>
+          <a:xfrm>
+            <a:off x="-1" y="6061223"/>
+            <a:ext cx="1038036" cy="506277"/>
+          </a:xfrm>
+          <a:custGeom>
+            <a:avLst/>
+            <a:gdLst>
+              <a:gd name="connsiteX0" fmla="*/ 0 w 1038036"/>
+              <a:gd name="connsiteY0" fmla="*/ 0 h 506277"/>
+              <a:gd name="connsiteX1" fmla="*/ 182880 w 1038036"/>
+              <a:gd name="connsiteY1" fmla="*/ 0 h 506277"/>
+              <a:gd name="connsiteX2" fmla="*/ 291705 w 1038036"/>
+              <a:gd name="connsiteY2" fmla="*/ 0 h 506277"/>
+              <a:gd name="connsiteX3" fmla="*/ 291705 w 1038036"/>
+              <a:gd name="connsiteY3" fmla="*/ 151 h 506277"/>
+              <a:gd name="connsiteX4" fmla="*/ 692049 w 1038036"/>
+              <a:gd name="connsiteY4" fmla="*/ 705 h 506277"/>
+              <a:gd name="connsiteX5" fmla="*/ 782744 w 1038036"/>
+              <a:gd name="connsiteY5" fmla="*/ 705 h 506277"/>
+              <a:gd name="connsiteX6" fmla="*/ 797001 w 1038036"/>
+              <a:gd name="connsiteY6" fmla="*/ 5473 h 506277"/>
+              <a:gd name="connsiteX7" fmla="*/ 801982 w 1038036"/>
+              <a:gd name="connsiteY7" fmla="*/ 10242 h 506277"/>
+              <a:gd name="connsiteX8" fmla="*/ 1030951 w 1038036"/>
+              <a:gd name="connsiteY8" fmla="*/ 239185 h 506277"/>
+              <a:gd name="connsiteX9" fmla="*/ 1030951 w 1038036"/>
+              <a:gd name="connsiteY9" fmla="*/ 267797 h 506277"/>
+              <a:gd name="connsiteX10" fmla="*/ 801982 w 1038036"/>
+              <a:gd name="connsiteY10" fmla="*/ 496740 h 506277"/>
+              <a:gd name="connsiteX11" fmla="*/ 797001 w 1038036"/>
+              <a:gd name="connsiteY11" fmla="*/ 501508 h 506277"/>
+              <a:gd name="connsiteX12" fmla="*/ 782744 w 1038036"/>
+              <a:gd name="connsiteY12" fmla="*/ 506277 h 506277"/>
+              <a:gd name="connsiteX13" fmla="*/ 692049 w 1038036"/>
+              <a:gd name="connsiteY13" fmla="*/ 506277 h 506277"/>
+              <a:gd name="connsiteX14" fmla="*/ 291705 w 1038036"/>
+              <a:gd name="connsiteY14" fmla="*/ 505140 h 506277"/>
+              <a:gd name="connsiteX15" fmla="*/ 291705 w 1038036"/>
+              <a:gd name="connsiteY15" fmla="*/ 506277 h 506277"/>
+              <a:gd name="connsiteX16" fmla="*/ 0 w 1038036"/>
+              <a:gd name="connsiteY16" fmla="*/ 506277 h 506277"/>
+            </a:gdLst>
+            <a:ahLst/>
+            <a:cxnLst>
+              <a:cxn ang="0">
+                <a:pos x="connsiteX0" y="connsiteY0"/>
+              </a:cxn>
+              <a:cxn ang="0">
+                <a:pos x="connsiteX1" y="connsiteY1"/>
+              </a:cxn>
+              <a:cxn ang="0">
+                <a:pos x="connsiteX2" y="connsiteY2"/>
+              </a:cxn>
+              <a:cxn ang="0">
+                <a:pos x="connsiteX3" y="connsiteY3"/>
+              </a:cxn>
+              <a:cxn ang="0">
+                <a:pos x="connsiteX4" y="connsiteY4"/>
+              </a:cxn>
+              <a:cxn ang="0">
+                <a:pos x="connsiteX5" y="connsiteY5"/>
+              </a:cxn>
+              <a:cxn ang="0">
+                <a:pos x="connsiteX6" y="connsiteY6"/>
+              </a:cxn>
+              <a:cxn ang="0">
+                <a:pos x="connsiteX7" y="connsiteY7"/>
+              </a:cxn>
+              <a:cxn ang="0">
+                <a:pos x="connsiteX8" y="connsiteY8"/>
+              </a:cxn>
+              <a:cxn ang="0">
+                <a:pos x="connsiteX9" y="connsiteY9"/>
+              </a:cxn>
+              <a:cxn ang="0">
+                <a:pos x="connsiteX10" y="connsiteY10"/>
+              </a:cxn>
+              <a:cxn ang="0">
+                <a:pos x="connsiteX11" y="connsiteY11"/>
+              </a:cxn>
+              <a:cxn ang="0">
+                <a:pos x="connsiteX12" y="connsiteY12"/>
+              </a:cxn>
+              <a:cxn ang="0">
+                <a:pos x="connsiteX13" y="connsiteY13"/>
+              </a:cxn>
+              <a:cxn ang="0">
+                <a:pos x="connsiteX14" y="connsiteY14"/>
+              </a:cxn>
+              <a:cxn ang="0">
+                <a:pos x="connsiteX15" y="connsiteY15"/>
+              </a:cxn>
+              <a:cxn ang="0">
+                <a:pos x="connsiteX16" y="connsiteY16"/>
+              </a:cxn>
+            </a:cxnLst>
+            <a:rect l="l" t="t" r="r" b="b"/>
+            <a:pathLst>
+              <a:path w="1038036" h="506277">
+                <a:moveTo>
+                  <a:pt x="0" y="0"/>
+                </a:moveTo>
+                <a:lnTo>
+                  <a:pt x="182880" y="0"/>
+                </a:lnTo>
+                <a:lnTo>
+                  <a:pt x="291705" y="0"/>
+                </a:lnTo>
+                <a:lnTo>
+                  <a:pt x="291705" y="151"/>
+                </a:lnTo>
+                <a:lnTo>
+                  <a:pt x="692049" y="705"/>
+                </a:lnTo>
+                <a:lnTo>
+                  <a:pt x="782744" y="705"/>
+                </a:lnTo>
+                <a:cubicBezTo>
+                  <a:pt x="787553" y="705"/>
+                  <a:pt x="792363" y="5473"/>
+                  <a:pt x="797001" y="5473"/>
+                </a:cubicBezTo>
+                <a:cubicBezTo>
+                  <a:pt x="797001" y="10242"/>
+                  <a:pt x="801982" y="10242"/>
+                  <a:pt x="801982" y="10242"/>
+                </a:cubicBezTo>
+                <a:lnTo>
+                  <a:pt x="1030951" y="239185"/>
+                </a:lnTo>
+                <a:cubicBezTo>
+                  <a:pt x="1040398" y="248722"/>
+                  <a:pt x="1040398" y="258259"/>
+                  <a:pt x="1030951" y="267797"/>
+                </a:cubicBezTo>
+                <a:lnTo>
+                  <a:pt x="801982" y="496740"/>
+                </a:lnTo>
+                <a:cubicBezTo>
+                  <a:pt x="800436" y="498363"/>
+                  <a:pt x="798547" y="499885"/>
+                  <a:pt x="797001" y="501508"/>
+                </a:cubicBezTo>
+                <a:cubicBezTo>
+                  <a:pt x="792363" y="506277"/>
+                  <a:pt x="787553" y="506277"/>
+                  <a:pt x="782744" y="506277"/>
+                </a:cubicBezTo>
+                <a:lnTo>
+                  <a:pt x="692049" y="506277"/>
+                </a:lnTo>
+                <a:lnTo>
+                  <a:pt x="291705" y="505140"/>
+                </a:lnTo>
+                <a:lnTo>
+                  <a:pt x="291705" y="506277"/>
+                </a:lnTo>
+                <a:lnTo>
+                  <a:pt x="0" y="506277"/>
+                </a:lnTo>
+                <a:close/>
+              </a:path>
+            </a:pathLst>
+          </a:custGeom>
+          <a:ln>
+            <a:noFill/>
+          </a:ln>
+        </p:spPr>
+        <p:style>
+          <a:lnRef idx="2">
+            <a:schemeClr val="accent1">
+              <a:shade val="50000"/>
+            </a:schemeClr>
+          </a:lnRef>
+          <a:fillRef idx="1">
+            <a:schemeClr val="accent1"/>
+          </a:fillRef>
+          <a:effectRef idx="0">
+            <a:schemeClr val="accent1"/>
+          </a:effectRef>
+          <a:fontRef idx="minor">
+            <a:schemeClr val="lt1"/>
+          </a:fontRef>
+        </p:style>
+        <p:txBody>
+          <a:bodyPr rtlCol="0" anchor="ctr"/>
+          <a:lstStyle/>
+          <a:p>
+            <a:pPr algn="ctr"/>
             <a:endParaRPr lang="en-US"/>
           </a:p>
         </p:txBody>
@@ -7958,7 +10641,7 @@
     </p:spTree>
     <p:extLst>
       <p:ext uri="{BB962C8B-B14F-4D97-AF65-F5344CB8AC3E}">
-        <p14:creationId xmlns:p14="http://schemas.microsoft.com/office/powerpoint/2010/main" val="867553902"/>
+        <p14:creationId xmlns:p14="http://schemas.microsoft.com/office/powerpoint/2010/main" val="336181646"/>
       </p:ext>
     </p:extLst>
   </p:cSld>
@@ -7971,6 +10654,32 @@
 <file path=ppt/slides/slide4.xml><?xml version="1.0" encoding="utf-8"?>
 <p:sld xmlns:a="http://schemas.openxmlformats.org/drawingml/2006/main" xmlns:r="http://schemas.openxmlformats.org/officeDocument/2006/relationships" xmlns:p="http://schemas.openxmlformats.org/presentationml/2006/main">
   <p:cSld>
+    <p:bg>
+      <p:bgPr>
+        <a:gradFill rotWithShape="1">
+          <a:gsLst>
+            <a:gs pos="0">
+              <a:schemeClr val="bg2">
+                <a:tint val="90000"/>
+                <a:satMod val="92000"/>
+                <a:lumMod val="120000"/>
+              </a:schemeClr>
+            </a:gs>
+            <a:gs pos="100000">
+              <a:schemeClr val="bg2">
+                <a:shade val="98000"/>
+                <a:satMod val="120000"/>
+                <a:lumMod val="98000"/>
+              </a:schemeClr>
+            </a:gs>
+          </a:gsLst>
+          <a:path path="circle">
+            <a:fillToRect l="50000" t="50000" r="100000" b="100000"/>
+          </a:path>
+        </a:gradFill>
+        <a:effectLst/>
+      </p:bgPr>
+    </p:bg>
     <p:spTree>
       <p:nvGrpSpPr>
         <p:cNvPr id="1" name=""/>
@@ -7990,7 +10699,7 @@
           <p:cNvPr id="2" name="Title 1">
             <a:extLst>
               <a:ext uri="{FF2B5EF4-FFF2-40B4-BE49-F238E27FC236}">
-                <a16:creationId xmlns:a16="http://schemas.microsoft.com/office/drawing/2014/main" id="{F4E26342-6E98-43D3-A532-83B83EFAB855}"/>
+                <a16:creationId xmlns:a16="http://schemas.microsoft.com/office/drawing/2014/main" id="{2DA8D85D-0A45-4AE2-BD7A-6425F91CB68F}"/>
               </a:ext>
             </a:extLst>
           </p:cNvPr>
@@ -8001,14 +10710,26 @@
             <p:ph type="title"/>
           </p:nvPr>
         </p:nvSpPr>
-        <p:spPr/>
-        <p:txBody>
-          <a:bodyPr/>
+        <p:spPr>
+          <a:xfrm>
+            <a:off x="1687669" y="624110"/>
+            <a:ext cx="9698198" cy="1280890"/>
+          </a:xfrm>
+        </p:spPr>
+        <p:txBody>
+          <a:bodyPr>
+            <a:normAutofit/>
+          </a:bodyPr>
           <a:lstStyle/>
           <a:p>
-            <a:r>
-              <a:rPr lang="en-US" dirty="0"/>
-              <a:t>Features and Characteristics of the model</a:t>
+            <a:pPr>
+              <a:lnSpc>
+                <a:spcPct val="90000"/>
+              </a:lnSpc>
+            </a:pPr>
+            <a:r>
+              <a:rPr lang="en-US" sz="2700" dirty="0"/>
+              <a:t>Hypothesis:  A model can more accurately predict mortality rates</a:t>
             </a:r>
           </a:p>
         </p:txBody>
@@ -8018,7 +10739,7 @@
           <p:cNvPr id="3" name="Content Placeholder 2">
             <a:extLst>
               <a:ext uri="{FF2B5EF4-FFF2-40B4-BE49-F238E27FC236}">
-                <a16:creationId xmlns:a16="http://schemas.microsoft.com/office/drawing/2014/main" id="{590F9E8C-5267-419A-948C-57CB97B1C345}"/>
+                <a16:creationId xmlns:a16="http://schemas.microsoft.com/office/drawing/2014/main" id="{12A888FA-44ED-432F-BB9A-A4220697C0C9}"/>
               </a:ext>
             </a:extLst>
           </p:cNvPr>
@@ -8029,19 +10750,234 @@
             <p:ph idx="1"/>
           </p:nvPr>
         </p:nvSpPr>
-        <p:spPr/>
-        <p:txBody>
-          <a:bodyPr/>
+        <p:spPr>
+          <a:xfrm>
+            <a:off x="1683956" y="2133600"/>
+            <a:ext cx="5680012" cy="4419232"/>
+          </a:xfrm>
+        </p:spPr>
+        <p:txBody>
+          <a:bodyPr>
+            <a:normAutofit/>
+          </a:bodyPr>
           <a:lstStyle/>
           <a:p>
-            <a:endParaRPr lang="en-US"/>
-          </a:p>
-        </p:txBody>
-      </p:sp>
+            <a:r>
+              <a:rPr lang="en-US" dirty="0">
+                <a:solidFill>
+                  <a:srgbClr val="000000"/>
+                </a:solidFill>
+              </a:rPr>
+              <a:t>Current Mortally Reporting uses</a:t>
+            </a:r>
+            <a:br>
+              <a:rPr lang="en-US" dirty="0">
+                <a:solidFill>
+                  <a:srgbClr val="000000"/>
+                </a:solidFill>
+              </a:rPr>
+            </a:br>
+            <a:br>
+              <a:rPr lang="en-US" dirty="0">
+                <a:solidFill>
+                  <a:srgbClr val="000000"/>
+                </a:solidFill>
+              </a:rPr>
+            </a:br>
+            <a:r>
+              <a:rPr lang="en-US" dirty="0">
+                <a:solidFill>
+                  <a:srgbClr val="000000"/>
+                </a:solidFill>
+              </a:rPr>
+              <a:t>	Population Deaths</a:t>
+            </a:r>
+            <a:br>
+              <a:rPr lang="en-US" dirty="0">
+                <a:solidFill>
+                  <a:srgbClr val="000000"/>
+                </a:solidFill>
+              </a:rPr>
+            </a:br>
+            <a:r>
+              <a:rPr lang="en-US" dirty="0">
+                <a:solidFill>
+                  <a:srgbClr val="000000"/>
+                </a:solidFill>
+              </a:rPr>
+              <a:t>	------------------</a:t>
+            </a:r>
+            <a:br>
+              <a:rPr lang="en-US" dirty="0">
+                <a:solidFill>
+                  <a:srgbClr val="000000"/>
+                </a:solidFill>
+              </a:rPr>
+            </a:br>
+            <a:r>
+              <a:rPr lang="en-US" dirty="0">
+                <a:solidFill>
+                  <a:srgbClr val="000000"/>
+                </a:solidFill>
+              </a:rPr>
+              <a:t>	Population Cases</a:t>
+            </a:r>
+            <a:br>
+              <a:rPr lang="en-US" dirty="0">
+                <a:solidFill>
+                  <a:srgbClr val="000000"/>
+                </a:solidFill>
+              </a:rPr>
+            </a:br>
+            <a:endParaRPr lang="en-US" dirty="0">
+              <a:solidFill>
+                <a:srgbClr val="000000"/>
+              </a:solidFill>
+            </a:endParaRPr>
+          </a:p>
+          <a:p>
+            <a:r>
+              <a:rPr lang="en-US" dirty="0">
+                <a:solidFill>
+                  <a:srgbClr val="000000"/>
+                </a:solidFill>
+              </a:rPr>
+              <a:t>However, the population is not uniform</a:t>
+            </a:r>
+          </a:p>
+          <a:p>
+            <a:pPr lvl="1"/>
+            <a:r>
+              <a:rPr lang="en-US" dirty="0">
+                <a:solidFill>
+                  <a:srgbClr val="000000"/>
+                </a:solidFill>
+              </a:rPr>
+              <a:t>Age Distributions</a:t>
+            </a:r>
+          </a:p>
+          <a:p>
+            <a:pPr lvl="1"/>
+            <a:r>
+              <a:rPr lang="en-US" dirty="0">
+                <a:solidFill>
+                  <a:srgbClr val="000000"/>
+                </a:solidFill>
+              </a:rPr>
+              <a:t>Demographic Shapes</a:t>
+            </a:r>
+          </a:p>
+          <a:p>
+            <a:pPr lvl="1"/>
+            <a:r>
+              <a:rPr lang="en-US" dirty="0">
+                <a:solidFill>
+                  <a:srgbClr val="000000"/>
+                </a:solidFill>
+              </a:rPr>
+              <a:t>Existing Condition Rates</a:t>
+            </a:r>
+          </a:p>
+        </p:txBody>
+      </p:sp>
+      <p:pic>
+        <p:nvPicPr>
+          <p:cNvPr id="4" name="Picture 3">
+            <a:extLst>
+              <a:ext uri="{FF2B5EF4-FFF2-40B4-BE49-F238E27FC236}">
+                <a16:creationId xmlns:a16="http://schemas.microsoft.com/office/drawing/2014/main" id="{09705994-C468-4D89-AB75-F77BB636D83B}"/>
+              </a:ext>
+            </a:extLst>
+          </p:cNvPr>
+          <p:cNvPicPr>
+            <a:picLocks noChangeAspect="1"/>
+          </p:cNvPicPr>
+          <p:nvPr/>
+        </p:nvPicPr>
+        <p:blipFill>
+          <a:blip r:embed="rId3"/>
+          <a:stretch>
+            <a:fillRect/>
+          </a:stretch>
+        </p:blipFill>
+        <p:spPr>
+          <a:xfrm>
+            <a:off x="7783590" y="2133600"/>
+            <a:ext cx="3602277" cy="1810144"/>
+          </a:xfrm>
+          <a:prstGeom prst="rect">
+            <a:avLst/>
+          </a:prstGeom>
+        </p:spPr>
+      </p:pic>
+      <mc:AlternateContent xmlns:mc="http://schemas.openxmlformats.org/markup-compatibility/2006">
+        <mc:Choice xmlns:cx2="http://schemas.microsoft.com/office/drawing/2015/10/21/chartex" Requires="cx2">
+          <p:graphicFrame>
+            <p:nvGraphicFramePr>
+              <p:cNvPr id="5" name="Chart 4">
+                <a:extLst>
+                  <a:ext uri="{FF2B5EF4-FFF2-40B4-BE49-F238E27FC236}">
+                    <a16:creationId xmlns:a16="http://schemas.microsoft.com/office/drawing/2014/main" id="{70BBA425-5090-4262-81A3-36314107B034}"/>
+                  </a:ext>
+                </a:extLst>
+              </p:cNvPr>
+              <p:cNvGraphicFramePr/>
+              <p:nvPr>
+                <p:extLst>
+                  <p:ext uri="{D42A27DB-BD31-4B8C-83A1-F6EECF244321}">
+                    <p14:modId xmlns:p14="http://schemas.microsoft.com/office/powerpoint/2010/main" val="48830462"/>
+                  </p:ext>
+                </p:extLst>
+              </p:nvPr>
+            </p:nvGraphicFramePr>
+            <p:xfrm>
+              <a:off x="7783590" y="4120896"/>
+              <a:ext cx="3602277" cy="2431936"/>
+            </p:xfrm>
+            <a:graphic>
+              <a:graphicData uri="http://schemas.microsoft.com/office/drawing/2014/chartex">
+                <cx:chart xmlns:cx="http://schemas.microsoft.com/office/drawing/2014/chartex" xmlns:r="http://schemas.openxmlformats.org/officeDocument/2006/relationships" r:id="rId4"/>
+              </a:graphicData>
+            </a:graphic>
+          </p:graphicFrame>
+        </mc:Choice>
+        <mc:Fallback>
+          <p:pic>
+            <p:nvPicPr>
+              <p:cNvPr id="5" name="Chart 4">
+                <a:extLst>
+                  <a:ext uri="{FF2B5EF4-FFF2-40B4-BE49-F238E27FC236}">
+                    <a16:creationId xmlns:a16="http://schemas.microsoft.com/office/drawing/2014/main" id="{70BBA425-5090-4262-81A3-36314107B034}"/>
+                  </a:ext>
+                </a:extLst>
+              </p:cNvPr>
+              <p:cNvPicPr>
+                <a:picLocks noGrp="1" noRot="1" noChangeAspect="1" noMove="1" noResize="1" noEditPoints="1" noAdjustHandles="1" noChangeArrowheads="1" noChangeShapeType="1"/>
+              </p:cNvPicPr>
+              <p:nvPr/>
+            </p:nvPicPr>
+            <p:blipFill>
+              <a:blip r:embed="rId5"/>
+              <a:stretch>
+                <a:fillRect/>
+              </a:stretch>
+            </p:blipFill>
+            <p:spPr>
+              <a:xfrm>
+                <a:off x="7783590" y="4120896"/>
+                <a:ext cx="3602277" cy="2431936"/>
+              </a:xfrm>
+              <a:prstGeom prst="rect">
+                <a:avLst/>
+              </a:prstGeom>
+            </p:spPr>
+          </p:pic>
+        </mc:Fallback>
+      </mc:AlternateContent>
     </p:spTree>
     <p:extLst>
       <p:ext uri="{BB962C8B-B14F-4D97-AF65-F5344CB8AC3E}">
-        <p14:creationId xmlns:p14="http://schemas.microsoft.com/office/powerpoint/2010/main" val="3377053361"/>
+        <p14:creationId xmlns:p14="http://schemas.microsoft.com/office/powerpoint/2010/main" val="867553902"/>
       </p:ext>
     </p:extLst>
   </p:cSld>
@@ -8073,7 +11009,7 @@
           <p:cNvPr id="2" name="Title 1">
             <a:extLst>
               <a:ext uri="{FF2B5EF4-FFF2-40B4-BE49-F238E27FC236}">
-                <a16:creationId xmlns:a16="http://schemas.microsoft.com/office/drawing/2014/main" id="{70AAFF91-4614-4F2E-985F-004A8ABBA3D0}"/>
+                <a16:creationId xmlns:a16="http://schemas.microsoft.com/office/drawing/2014/main" id="{F4E26342-6E98-43D3-A532-83B83EFAB855}"/>
               </a:ext>
             </a:extLst>
           </p:cNvPr>
@@ -8091,7 +11027,7 @@
           <a:p>
             <a:r>
               <a:rPr lang="en-US" dirty="0"/>
-              <a:t>Data Sources for building the model </a:t>
+              <a:t>Features and Characteristics of the model</a:t>
             </a:r>
           </a:p>
         </p:txBody>
@@ -8101,7 +11037,7 @@
           <p:cNvPr id="3" name="Content Placeholder 2">
             <a:extLst>
               <a:ext uri="{FF2B5EF4-FFF2-40B4-BE49-F238E27FC236}">
-                <a16:creationId xmlns:a16="http://schemas.microsoft.com/office/drawing/2014/main" id="{AD6C168D-7CFA-4FC9-B4B0-1676DF5736DC}"/>
+                <a16:creationId xmlns:a16="http://schemas.microsoft.com/office/drawing/2014/main" id="{590F9E8C-5267-419A-948C-57CB97B1C345}"/>
               </a:ext>
             </a:extLst>
           </p:cNvPr>
@@ -8124,7 +11060,7 @@
     </p:spTree>
     <p:extLst>
       <p:ext uri="{BB962C8B-B14F-4D97-AF65-F5344CB8AC3E}">
-        <p14:creationId xmlns:p14="http://schemas.microsoft.com/office/powerpoint/2010/main" val="282127060"/>
+        <p14:creationId xmlns:p14="http://schemas.microsoft.com/office/powerpoint/2010/main" val="3377053361"/>
       </p:ext>
     </p:extLst>
   </p:cSld>
@@ -8156,7 +11092,7 @@
           <p:cNvPr id="2" name="Title 1">
             <a:extLst>
               <a:ext uri="{FF2B5EF4-FFF2-40B4-BE49-F238E27FC236}">
-                <a16:creationId xmlns:a16="http://schemas.microsoft.com/office/drawing/2014/main" id="{8391D88C-9904-4A34-BC04-88887326E58F}"/>
+                <a16:creationId xmlns:a16="http://schemas.microsoft.com/office/drawing/2014/main" id="{70AAFF91-4614-4F2E-985F-004A8ABBA3D0}"/>
               </a:ext>
             </a:extLst>
           </p:cNvPr>
@@ -8174,7 +11110,7 @@
           <a:p>
             <a:r>
               <a:rPr lang="en-US" dirty="0"/>
-              <a:t>Usefulness of Statistical Based Mining</a:t>
+              <a:t>Data Sources for building the model </a:t>
             </a:r>
           </a:p>
         </p:txBody>
@@ -8184,7 +11120,7 @@
           <p:cNvPr id="3" name="Content Placeholder 2">
             <a:extLst>
               <a:ext uri="{FF2B5EF4-FFF2-40B4-BE49-F238E27FC236}">
-                <a16:creationId xmlns:a16="http://schemas.microsoft.com/office/drawing/2014/main" id="{24D76505-FD13-4313-99A5-48B77950A547}"/>
+                <a16:creationId xmlns:a16="http://schemas.microsoft.com/office/drawing/2014/main" id="{AD6C168D-7CFA-4FC9-B4B0-1676DF5736DC}"/>
               </a:ext>
             </a:extLst>
           </p:cNvPr>
@@ -8207,7 +11143,7 @@
     </p:spTree>
     <p:extLst>
       <p:ext uri="{BB962C8B-B14F-4D97-AF65-F5344CB8AC3E}">
-        <p14:creationId xmlns:p14="http://schemas.microsoft.com/office/powerpoint/2010/main" val="4077903809"/>
+        <p14:creationId xmlns:p14="http://schemas.microsoft.com/office/powerpoint/2010/main" val="282127060"/>
       </p:ext>
     </p:extLst>
   </p:cSld>
@@ -8239,7 +11175,7 @@
           <p:cNvPr id="2" name="Title 1">
             <a:extLst>
               <a:ext uri="{FF2B5EF4-FFF2-40B4-BE49-F238E27FC236}">
-                <a16:creationId xmlns:a16="http://schemas.microsoft.com/office/drawing/2014/main" id="{BB067687-914F-48AA-8C4B-FD4058108670}"/>
+                <a16:creationId xmlns:a16="http://schemas.microsoft.com/office/drawing/2014/main" id="{8391D88C-9904-4A34-BC04-88887326E58F}"/>
               </a:ext>
             </a:extLst>
           </p:cNvPr>
@@ -8257,7 +11193,7 @@
           <a:p>
             <a:r>
               <a:rPr lang="en-US" dirty="0"/>
-              <a:t>Statistical Functions and Evaluation Strategies</a:t>
+              <a:t>Usefulness of Statistical Based Mining</a:t>
             </a:r>
           </a:p>
         </p:txBody>
@@ -8267,7 +11203,7 @@
           <p:cNvPr id="3" name="Content Placeholder 2">
             <a:extLst>
               <a:ext uri="{FF2B5EF4-FFF2-40B4-BE49-F238E27FC236}">
-                <a16:creationId xmlns:a16="http://schemas.microsoft.com/office/drawing/2014/main" id="{CE0FDCDE-4956-4EE8-8ADC-A74BD515C96E}"/>
+                <a16:creationId xmlns:a16="http://schemas.microsoft.com/office/drawing/2014/main" id="{24D76505-FD13-4313-99A5-48B77950A547}"/>
               </a:ext>
             </a:extLst>
           </p:cNvPr>
@@ -8290,7 +11226,7 @@
     </p:spTree>
     <p:extLst>
       <p:ext uri="{BB962C8B-B14F-4D97-AF65-F5344CB8AC3E}">
-        <p14:creationId xmlns:p14="http://schemas.microsoft.com/office/powerpoint/2010/main" val="352376767"/>
+        <p14:creationId xmlns:p14="http://schemas.microsoft.com/office/powerpoint/2010/main" val="4077903809"/>
       </p:ext>
     </p:extLst>
   </p:cSld>
@@ -8322,7 +11258,7 @@
           <p:cNvPr id="2" name="Title 1">
             <a:extLst>
               <a:ext uri="{FF2B5EF4-FFF2-40B4-BE49-F238E27FC236}">
-                <a16:creationId xmlns:a16="http://schemas.microsoft.com/office/drawing/2014/main" id="{30E5F3E6-E753-4D95-92C5-2FAFAACA5EA7}"/>
+                <a16:creationId xmlns:a16="http://schemas.microsoft.com/office/drawing/2014/main" id="{BB067687-914F-48AA-8C4B-FD4058108670}"/>
               </a:ext>
             </a:extLst>
           </p:cNvPr>
@@ -8340,7 +11276,7 @@
           <a:p>
             <a:r>
               <a:rPr lang="en-US" dirty="0"/>
-              <a:t>Analysis and Results</a:t>
+              <a:t>Statistical Functions and Evaluation Strategies</a:t>
             </a:r>
           </a:p>
         </p:txBody>
@@ -8350,7 +11286,7 @@
           <p:cNvPr id="3" name="Content Placeholder 2">
             <a:extLst>
               <a:ext uri="{FF2B5EF4-FFF2-40B4-BE49-F238E27FC236}">
-                <a16:creationId xmlns:a16="http://schemas.microsoft.com/office/drawing/2014/main" id="{3D16D826-3754-4E72-826A-24C40080382D}"/>
+                <a16:creationId xmlns:a16="http://schemas.microsoft.com/office/drawing/2014/main" id="{CE0FDCDE-4956-4EE8-8ADC-A74BD515C96E}"/>
               </a:ext>
             </a:extLst>
           </p:cNvPr>
@@ -8373,7 +11309,7 @@
     </p:spTree>
     <p:extLst>
       <p:ext uri="{BB962C8B-B14F-4D97-AF65-F5344CB8AC3E}">
-        <p14:creationId xmlns:p14="http://schemas.microsoft.com/office/powerpoint/2010/main" val="4153457221"/>
+        <p14:creationId xmlns:p14="http://schemas.microsoft.com/office/powerpoint/2010/main" val="352376767"/>
       </p:ext>
     </p:extLst>
   </p:cSld>
@@ -8405,7 +11341,7 @@
           <p:cNvPr id="2" name="Title 1">
             <a:extLst>
               <a:ext uri="{FF2B5EF4-FFF2-40B4-BE49-F238E27FC236}">
-                <a16:creationId xmlns:a16="http://schemas.microsoft.com/office/drawing/2014/main" id="{A56C1F18-337D-48C4-AF09-BA4588DD79B0}"/>
+                <a16:creationId xmlns:a16="http://schemas.microsoft.com/office/drawing/2014/main" id="{30E5F3E6-E753-4D95-92C5-2FAFAACA5EA7}"/>
               </a:ext>
             </a:extLst>
           </p:cNvPr>
@@ -8423,7 +11359,7 @@
           <a:p>
             <a:r>
               <a:rPr lang="en-US" dirty="0"/>
-              <a:t>Challenges and limitations</a:t>
+              <a:t>Analysis and Results</a:t>
             </a:r>
           </a:p>
         </p:txBody>
@@ -8433,7 +11369,7 @@
           <p:cNvPr id="3" name="Content Placeholder 2">
             <a:extLst>
               <a:ext uri="{FF2B5EF4-FFF2-40B4-BE49-F238E27FC236}">
-                <a16:creationId xmlns:a16="http://schemas.microsoft.com/office/drawing/2014/main" id="{C050F78B-2BD7-45DC-8E43-41B14855863D}"/>
+                <a16:creationId xmlns:a16="http://schemas.microsoft.com/office/drawing/2014/main" id="{3D16D826-3754-4E72-826A-24C40080382D}"/>
               </a:ext>
             </a:extLst>
           </p:cNvPr>
@@ -8456,7 +11392,7 @@
     </p:spTree>
     <p:extLst>
       <p:ext uri="{BB962C8B-B14F-4D97-AF65-F5344CB8AC3E}">
-        <p14:creationId xmlns:p14="http://schemas.microsoft.com/office/powerpoint/2010/main" val="1649658032"/>
+        <p14:creationId xmlns:p14="http://schemas.microsoft.com/office/powerpoint/2010/main" val="4153457221"/>
       </p:ext>
     </p:extLst>
   </p:cSld>
@@ -8707,4 +11643,299 @@
     </a:ext>
   </a:extLst>
 </a:theme>
+</file>
+
+<file path=ppt/theme/theme2.xml><?xml version="1.0" encoding="utf-8"?>
+<a:theme xmlns:a="http://schemas.openxmlformats.org/drawingml/2006/main" name="Office Theme">
+  <a:themeElements>
+    <a:clrScheme name="Office">
+      <a:dk1>
+        <a:sysClr val="windowText" lastClr="000000"/>
+      </a:dk1>
+      <a:lt1>
+        <a:sysClr val="window" lastClr="FFFFFF"/>
+      </a:lt1>
+      <a:dk2>
+        <a:srgbClr val="44546A"/>
+      </a:dk2>
+      <a:lt2>
+        <a:srgbClr val="E7E6E6"/>
+      </a:lt2>
+      <a:accent1>
+        <a:srgbClr val="4472C4"/>
+      </a:accent1>
+      <a:accent2>
+        <a:srgbClr val="ED7D31"/>
+      </a:accent2>
+      <a:accent3>
+        <a:srgbClr val="A5A5A5"/>
+      </a:accent3>
+      <a:accent4>
+        <a:srgbClr val="FFC000"/>
+      </a:accent4>
+      <a:accent5>
+        <a:srgbClr val="5B9BD5"/>
+      </a:accent5>
+      <a:accent6>
+        <a:srgbClr val="70AD47"/>
+      </a:accent6>
+      <a:hlink>
+        <a:srgbClr val="0563C1"/>
+      </a:hlink>
+      <a:folHlink>
+        <a:srgbClr val="954F72"/>
+      </a:folHlink>
+    </a:clrScheme>
+    <a:fontScheme name="Office">
+      <a:majorFont>
+        <a:latin typeface="Calibri Light" panose="020F0302020204030204"/>
+        <a:ea typeface=""/>
+        <a:cs typeface=""/>
+        <a:font script="Jpan" typeface="游ゴシック Light"/>
+        <a:font script="Hang" typeface="맑은 고딕"/>
+        <a:font script="Hans" typeface="等线 Light"/>
+        <a:font script="Hant" typeface="新細明體"/>
+        <a:font script="Arab" typeface="Times New Roman"/>
+        <a:font script="Hebr" typeface="Times New Roman"/>
+        <a:font script="Thai" typeface="Angsana New"/>
+        <a:font script="Ethi" typeface="Nyala"/>
+        <a:font script="Beng" typeface="Vrinda"/>
+        <a:font script="Gujr" typeface="Shruti"/>
+        <a:font script="Khmr" typeface="MoolBoran"/>
+        <a:font script="Knda" typeface="Tunga"/>
+        <a:font script="Guru" typeface="Raavi"/>
+        <a:font script="Cans" typeface="Euphemia"/>
+        <a:font script="Cher" typeface="Plantagenet Cherokee"/>
+        <a:font script="Yiii" typeface="Microsoft Yi Baiti"/>
+        <a:font script="Tibt" typeface="Microsoft Himalaya"/>
+        <a:font script="Thaa" typeface="MV Boli"/>
+        <a:font script="Deva" typeface="Mangal"/>
+        <a:font script="Telu" typeface="Gautami"/>
+        <a:font script="Taml" typeface="Latha"/>
+        <a:font script="Syrc" typeface="Estrangelo Edessa"/>
+        <a:font script="Orya" typeface="Kalinga"/>
+        <a:font script="Mlym" typeface="Kartika"/>
+        <a:font script="Laoo" typeface="DokChampa"/>
+        <a:font script="Sinh" typeface="Iskoola Pota"/>
+        <a:font script="Mong" typeface="Mongolian Baiti"/>
+        <a:font script="Viet" typeface="Times New Roman"/>
+        <a:font script="Uigh" typeface="Microsoft Uighur"/>
+        <a:font script="Geor" typeface="Sylfaen"/>
+        <a:font script="Armn" typeface="Arial"/>
+        <a:font script="Bugi" typeface="Leelawadee UI"/>
+        <a:font script="Bopo" typeface="Microsoft JhengHei"/>
+        <a:font script="Java" typeface="Javanese Text"/>
+        <a:font script="Lisu" typeface="Segoe UI"/>
+        <a:font script="Mymr" typeface="Myanmar Text"/>
+        <a:font script="Nkoo" typeface="Ebrima"/>
+        <a:font script="Olck" typeface="Nirmala UI"/>
+        <a:font script="Osma" typeface="Ebrima"/>
+        <a:font script="Phag" typeface="Phagspa"/>
+        <a:font script="Syrn" typeface="Estrangelo Edessa"/>
+        <a:font script="Syrj" typeface="Estrangelo Edessa"/>
+        <a:font script="Syre" typeface="Estrangelo Edessa"/>
+        <a:font script="Sora" typeface="Nirmala UI"/>
+        <a:font script="Tale" typeface="Microsoft Tai Le"/>
+        <a:font script="Talu" typeface="Microsoft New Tai Lue"/>
+        <a:font script="Tfng" typeface="Ebrima"/>
+      </a:majorFont>
+      <a:minorFont>
+        <a:latin typeface="Calibri" panose="020F0502020204030204"/>
+        <a:ea typeface=""/>
+        <a:cs typeface=""/>
+        <a:font script="Jpan" typeface="游ゴシック"/>
+        <a:font script="Hang" typeface="맑은 고딕"/>
+        <a:font script="Hans" typeface="等线"/>
+        <a:font script="Hant" typeface="新細明體"/>
+        <a:font script="Arab" typeface="Arial"/>
+        <a:font script="Hebr" typeface="Arial"/>
+        <a:font script="Thai" typeface="Cordia New"/>
+        <a:font script="Ethi" typeface="Nyala"/>
+        <a:font script="Beng" typeface="Vrinda"/>
+        <a:font script="Gujr" typeface="Shruti"/>
+        <a:font script="Khmr" typeface="DaunPenh"/>
+        <a:font script="Knda" typeface="Tunga"/>
+        <a:font script="Guru" typeface="Raavi"/>
+        <a:font script="Cans" typeface="Euphemia"/>
+        <a:font script="Cher" typeface="Plantagenet Cherokee"/>
+        <a:font script="Yiii" typeface="Microsoft Yi Baiti"/>
+        <a:font script="Tibt" typeface="Microsoft Himalaya"/>
+        <a:font script="Thaa" typeface="MV Boli"/>
+        <a:font script="Deva" typeface="Mangal"/>
+        <a:font script="Telu" typeface="Gautami"/>
+        <a:font script="Taml" typeface="Latha"/>
+        <a:font script="Syrc" typeface="Estrangelo Edessa"/>
+        <a:font script="Orya" typeface="Kalinga"/>
+        <a:font script="Mlym" typeface="Kartika"/>
+        <a:font script="Laoo" typeface="DokChampa"/>
+        <a:font script="Sinh" typeface="Iskoola Pota"/>
+        <a:font script="Mong" typeface="Mongolian Baiti"/>
+        <a:font script="Viet" typeface="Arial"/>
+        <a:font script="Uigh" typeface="Microsoft Uighur"/>
+        <a:font script="Geor" typeface="Sylfaen"/>
+        <a:font script="Armn" typeface="Arial"/>
+        <a:font script="Bugi" typeface="Leelawadee UI"/>
+        <a:font script="Bopo" typeface="Microsoft JhengHei"/>
+        <a:font script="Java" typeface="Javanese Text"/>
+        <a:font script="Lisu" typeface="Segoe UI"/>
+        <a:font script="Mymr" typeface="Myanmar Text"/>
+        <a:font script="Nkoo" typeface="Ebrima"/>
+        <a:font script="Olck" typeface="Nirmala UI"/>
+        <a:font script="Osma" typeface="Ebrima"/>
+        <a:font script="Phag" typeface="Phagspa"/>
+        <a:font script="Syrn" typeface="Estrangelo Edessa"/>
+        <a:font script="Syrj" typeface="Estrangelo Edessa"/>
+        <a:font script="Syre" typeface="Estrangelo Edessa"/>
+        <a:font script="Sora" typeface="Nirmala UI"/>
+        <a:font script="Tale" typeface="Microsoft Tai Le"/>
+        <a:font script="Talu" typeface="Microsoft New Tai Lue"/>
+        <a:font script="Tfng" typeface="Ebrima"/>
+      </a:minorFont>
+    </a:fontScheme>
+    <a:fmtScheme name="Office">
+      <a:fillStyleLst>
+        <a:solidFill>
+          <a:schemeClr val="phClr"/>
+        </a:solidFill>
+        <a:gradFill rotWithShape="1">
+          <a:gsLst>
+            <a:gs pos="0">
+              <a:schemeClr val="phClr">
+                <a:lumMod val="110000"/>
+                <a:satMod val="105000"/>
+                <a:tint val="67000"/>
+              </a:schemeClr>
+            </a:gs>
+            <a:gs pos="50000">
+              <a:schemeClr val="phClr">
+                <a:lumMod val="105000"/>
+                <a:satMod val="103000"/>
+                <a:tint val="73000"/>
+              </a:schemeClr>
+            </a:gs>
+            <a:gs pos="100000">
+              <a:schemeClr val="phClr">
+                <a:lumMod val="105000"/>
+                <a:satMod val="109000"/>
+                <a:tint val="81000"/>
+              </a:schemeClr>
+            </a:gs>
+          </a:gsLst>
+          <a:lin ang="5400000" scaled="0"/>
+        </a:gradFill>
+        <a:gradFill rotWithShape="1">
+          <a:gsLst>
+            <a:gs pos="0">
+              <a:schemeClr val="phClr">
+                <a:satMod val="103000"/>
+                <a:lumMod val="102000"/>
+                <a:tint val="94000"/>
+              </a:schemeClr>
+            </a:gs>
+            <a:gs pos="50000">
+              <a:schemeClr val="phClr">
+                <a:satMod val="110000"/>
+                <a:lumMod val="100000"/>
+                <a:shade val="100000"/>
+              </a:schemeClr>
+            </a:gs>
+            <a:gs pos="100000">
+              <a:schemeClr val="phClr">
+                <a:lumMod val="99000"/>
+                <a:satMod val="120000"/>
+                <a:shade val="78000"/>
+              </a:schemeClr>
+            </a:gs>
+          </a:gsLst>
+          <a:lin ang="5400000" scaled="0"/>
+        </a:gradFill>
+      </a:fillStyleLst>
+      <a:lnStyleLst>
+        <a:ln w="6350" cap="flat" cmpd="sng" algn="ctr">
+          <a:solidFill>
+            <a:schemeClr val="phClr"/>
+          </a:solidFill>
+          <a:prstDash val="solid"/>
+          <a:miter lim="800000"/>
+        </a:ln>
+        <a:ln w="12700" cap="flat" cmpd="sng" algn="ctr">
+          <a:solidFill>
+            <a:schemeClr val="phClr"/>
+          </a:solidFill>
+          <a:prstDash val="solid"/>
+          <a:miter lim="800000"/>
+        </a:ln>
+        <a:ln w="19050" cap="flat" cmpd="sng" algn="ctr">
+          <a:solidFill>
+            <a:schemeClr val="phClr"/>
+          </a:solidFill>
+          <a:prstDash val="solid"/>
+          <a:miter lim="800000"/>
+        </a:ln>
+      </a:lnStyleLst>
+      <a:effectStyleLst>
+        <a:effectStyle>
+          <a:effectLst/>
+        </a:effectStyle>
+        <a:effectStyle>
+          <a:effectLst/>
+        </a:effectStyle>
+        <a:effectStyle>
+          <a:effectLst>
+            <a:outerShdw blurRad="57150" dist="19050" dir="5400000" algn="ctr" rotWithShape="0">
+              <a:srgbClr val="000000">
+                <a:alpha val="63000"/>
+              </a:srgbClr>
+            </a:outerShdw>
+          </a:effectLst>
+        </a:effectStyle>
+      </a:effectStyleLst>
+      <a:bgFillStyleLst>
+        <a:solidFill>
+          <a:schemeClr val="phClr"/>
+        </a:solidFill>
+        <a:solidFill>
+          <a:schemeClr val="phClr">
+            <a:tint val="95000"/>
+            <a:satMod val="170000"/>
+          </a:schemeClr>
+        </a:solidFill>
+        <a:gradFill rotWithShape="1">
+          <a:gsLst>
+            <a:gs pos="0">
+              <a:schemeClr val="phClr">
+                <a:tint val="93000"/>
+                <a:satMod val="150000"/>
+                <a:shade val="98000"/>
+                <a:lumMod val="102000"/>
+              </a:schemeClr>
+            </a:gs>
+            <a:gs pos="50000">
+              <a:schemeClr val="phClr">
+                <a:tint val="98000"/>
+                <a:satMod val="130000"/>
+                <a:shade val="90000"/>
+                <a:lumMod val="103000"/>
+              </a:schemeClr>
+            </a:gs>
+            <a:gs pos="100000">
+              <a:schemeClr val="phClr">
+                <a:shade val="63000"/>
+                <a:satMod val="120000"/>
+              </a:schemeClr>
+            </a:gs>
+          </a:gsLst>
+          <a:lin ang="5400000" scaled="0"/>
+        </a:gradFill>
+      </a:bgFillStyleLst>
+    </a:fmtScheme>
+  </a:themeElements>
+  <a:objectDefaults/>
+  <a:extraClrSchemeLst/>
+  <a:extLst>
+    <a:ext uri="{05A4C25C-085E-4340-85A3-A5531E510DB2}">
+      <thm15:themeFamily xmlns:thm15="http://schemas.microsoft.com/office/thememl/2012/main" name="Office Theme" id="{62F939B6-93AF-4DB8-9C6B-D6C7DFDC589F}" vid="{4A3C46E8-61CC-4603-A589-7422A47A8E4A}"/>
+    </a:ext>
+  </a:extLst>
+</a:theme>
 </file>
--- a/Week6_Statistics/BachmeierNTIM8130-6.pptx
+++ b/Week6_Statistics/BachmeierNTIM8130-6.pptx
@@ -117,6 +117,11 @@
       </a:defRPr>
     </a:lvl9pPr>
   </p:defaultTextStyle>
+  <p:extLst>
+    <p:ext uri="{EFAFB233-063F-42B5-8137-9DF3F51BA10A}">
+      <p15:sldGuideLst xmlns:p15="http://schemas.microsoft.com/office/powerpoint/2012/main"/>
+    </p:ext>
+  </p:extLst>
 </p:presentation>
 </file>
 
@@ -13664,7 +13669,7 @@
           <a:p>
             <a:fld id="{A14763FC-9155-49F0-A9F9-83BFF2DA4ABB}" type="datetimeFigureOut">
               <a:rPr lang="en-US" smtClean="0"/>
-              <a:t>3/15/2020</a:t>
+              <a:t>3/16/2020</a:t>
             </a:fld>
             <a:endParaRPr lang="en-US"/>
           </a:p>
@@ -15131,7 +15136,7 @@
             <a:fld id="{B61BEF0D-F0BB-DE4B-95CE-6DB70DBA9567}" type="datetimeFigureOut">
               <a:rPr lang="en-US" dirty="0"/>
               <a:pPr/>
-              <a:t>3/15/2020</a:t>
+              <a:t>3/16/2020</a:t>
             </a:fld>
             <a:endParaRPr lang="en-US" dirty="0"/>
           </a:p>
@@ -15466,7 +15471,7 @@
             <a:fld id="{B61BEF0D-F0BB-DE4B-95CE-6DB70DBA9567}" type="datetimeFigureOut">
               <a:rPr lang="en-US" dirty="0"/>
               <a:pPr/>
-              <a:t>3/15/2020</a:t>
+              <a:t>3/16/2020</a:t>
             </a:fld>
             <a:endParaRPr lang="en-US" dirty="0"/>
           </a:p>
@@ -15864,7 +15869,7 @@
             <a:fld id="{B61BEF0D-F0BB-DE4B-95CE-6DB70DBA9567}" type="datetimeFigureOut">
               <a:rPr lang="en-US" dirty="0"/>
               <a:pPr/>
-              <a:t>3/15/2020</a:t>
+              <a:t>3/16/2020</a:t>
             </a:fld>
             <a:endParaRPr lang="en-US" dirty="0"/>
           </a:p>
@@ -16197,7 +16202,7 @@
             <a:fld id="{B61BEF0D-F0BB-DE4B-95CE-6DB70DBA9567}" type="datetimeFigureOut">
               <a:rPr lang="en-US" dirty="0"/>
               <a:pPr/>
-              <a:t>3/15/2020</a:t>
+              <a:t>3/16/2020</a:t>
             </a:fld>
             <a:endParaRPr lang="en-US" dirty="0"/>
           </a:p>
@@ -16514,7 +16519,7 @@
             <a:fld id="{B61BEF0D-F0BB-DE4B-95CE-6DB70DBA9567}" type="datetimeFigureOut">
               <a:rPr lang="en-US" dirty="0"/>
               <a:pPr/>
-              <a:t>3/15/2020</a:t>
+              <a:t>3/16/2020</a:t>
             </a:fld>
             <a:endParaRPr lang="en-US" dirty="0"/>
           </a:p>
@@ -16907,7 +16912,7 @@
             <a:fld id="{B61BEF0D-F0BB-DE4B-95CE-6DB70DBA9567}" type="datetimeFigureOut">
               <a:rPr lang="en-US" dirty="0"/>
               <a:pPr/>
-              <a:t>3/15/2020</a:t>
+              <a:t>3/16/2020</a:t>
             </a:fld>
             <a:endParaRPr lang="en-US" dirty="0"/>
           </a:p>
@@ -17161,7 +17166,7 @@
             <a:fld id="{B61BEF0D-F0BB-DE4B-95CE-6DB70DBA9567}" type="datetimeFigureOut">
               <a:rPr lang="en-US" dirty="0"/>
               <a:pPr/>
-              <a:t>3/15/2020</a:t>
+              <a:t>3/16/2020</a:t>
             </a:fld>
             <a:endParaRPr lang="en-US" dirty="0"/>
           </a:p>
@@ -17420,7 +17425,7 @@
             <a:fld id="{B61BEF0D-F0BB-DE4B-95CE-6DB70DBA9567}" type="datetimeFigureOut">
               <a:rPr lang="en-US" dirty="0"/>
               <a:pPr/>
-              <a:t>3/15/2020</a:t>
+              <a:t>3/16/2020</a:t>
             </a:fld>
             <a:endParaRPr lang="en-US" dirty="0"/>
           </a:p>
@@ -17679,7 +17684,7 @@
             <a:fld id="{B61BEF0D-F0BB-DE4B-95CE-6DB70DBA9567}" type="datetimeFigureOut">
               <a:rPr lang="en-US" dirty="0"/>
               <a:pPr/>
-              <a:t>3/15/2020</a:t>
+              <a:t>3/16/2020</a:t>
             </a:fld>
             <a:endParaRPr lang="en-US" dirty="0"/>
           </a:p>
@@ -18005,7 +18010,7 @@
             <a:fld id="{B61BEF0D-F0BB-DE4B-95CE-6DB70DBA9567}" type="datetimeFigureOut">
               <a:rPr lang="en-US" dirty="0"/>
               <a:pPr/>
-              <a:t>3/15/2020</a:t>
+              <a:t>3/16/2020</a:t>
             </a:fld>
             <a:endParaRPr lang="en-US" dirty="0"/>
           </a:p>
@@ -18325,7 +18330,7 @@
             <a:fld id="{B61BEF0D-F0BB-DE4B-95CE-6DB70DBA9567}" type="datetimeFigureOut">
               <a:rPr lang="en-US" dirty="0"/>
               <a:pPr/>
-              <a:t>3/15/2020</a:t>
+              <a:t>3/16/2020</a:t>
             </a:fld>
             <a:endParaRPr lang="en-US" dirty="0"/>
           </a:p>
@@ -18779,7 +18784,7 @@
             <a:fld id="{B61BEF0D-F0BB-DE4B-95CE-6DB70DBA9567}" type="datetimeFigureOut">
               <a:rPr lang="en-US" dirty="0"/>
               <a:pPr/>
-              <a:t>3/15/2020</a:t>
+              <a:t>3/16/2020</a:t>
             </a:fld>
             <a:endParaRPr lang="en-US" dirty="0"/>
           </a:p>
@@ -18981,7 +18986,7 @@
             <a:fld id="{B61BEF0D-F0BB-DE4B-95CE-6DB70DBA9567}" type="datetimeFigureOut">
               <a:rPr lang="en-US" dirty="0"/>
               <a:pPr/>
-              <a:t>3/15/2020</a:t>
+              <a:t>3/16/2020</a:t>
             </a:fld>
             <a:endParaRPr lang="en-US" dirty="0"/>
           </a:p>
@@ -19155,7 +19160,7 @@
             <a:fld id="{B61BEF0D-F0BB-DE4B-95CE-6DB70DBA9567}" type="datetimeFigureOut">
               <a:rPr lang="en-US" dirty="0"/>
               <a:pPr/>
-              <a:t>3/15/2020</a:t>
+              <a:t>3/16/2020</a:t>
             </a:fld>
             <a:endParaRPr lang="en-US" dirty="0"/>
           </a:p>
@@ -19485,7 +19490,7 @@
             <a:fld id="{B61BEF0D-F0BB-DE4B-95CE-6DB70DBA9567}" type="datetimeFigureOut">
               <a:rPr lang="en-US" dirty="0"/>
               <a:pPr/>
-              <a:t>3/15/2020</a:t>
+              <a:t>3/16/2020</a:t>
             </a:fld>
             <a:endParaRPr lang="en-US" dirty="0"/>
           </a:p>
@@ -19827,7 +19832,7 @@
             <a:fld id="{B61BEF0D-F0BB-DE4B-95CE-6DB70DBA9567}" type="datetimeFigureOut">
               <a:rPr lang="en-US" dirty="0"/>
               <a:pPr/>
-              <a:t>3/15/2020</a:t>
+              <a:t>3/16/2020</a:t>
             </a:fld>
             <a:endParaRPr lang="en-US" dirty="0"/>
           </a:p>
@@ -21941,7 +21946,7 @@
             <a:fld id="{B61BEF0D-F0BB-DE4B-95CE-6DB70DBA9567}" type="datetimeFigureOut">
               <a:rPr lang="en-US" dirty="0"/>
               <a:pPr/>
-              <a:t>3/15/2020</a:t>
+              <a:t>3/16/2020</a:t>
             </a:fld>
             <a:endParaRPr lang="en-US" dirty="0"/>
           </a:p>
@@ -24963,8 +24968,8 @@
           </a:prstGeom>
         </p:spPr>
       </p:pic>
-      <mc:AlternateContent xmlns:mc="http://schemas.openxmlformats.org/markup-compatibility/2006">
-        <mc:Choice xmlns:cx2="http://schemas.microsoft.com/office/drawing/2015/10/21/chartex" Requires="cx2">
+      <mc:AlternateContent xmlns:mc="http://schemas.openxmlformats.org/markup-compatibility/2006" xmlns:cx2="http://schemas.microsoft.com/office/drawing/2015/10/21/chartex">
+        <mc:Choice Requires="cx2">
           <p:graphicFrame>
             <p:nvGraphicFramePr>
               <p:cNvPr id="5" name="Chart 4">
@@ -24994,7 +24999,7 @@
             </a:graphic>
           </p:graphicFrame>
         </mc:Choice>
-        <mc:Fallback>
+        <mc:Fallback xmlns="">
           <p:pic>
             <p:nvPicPr>
               <p:cNvPr id="5" name="Chart 4">
@@ -28889,9 +28894,10 @@
           <a:p>
             <a:pPr lvl="1"/>
             <a:r>
-              <a:rPr lang="en-US" dirty="0"/>
-              <a:t>Maine 1.71</a:t>
+              <a:rPr lang="en-US"/>
+              <a:t>Maine 1.71%</a:t>
             </a:r>
+            <a:endParaRPr lang="en-US" dirty="0"/>
           </a:p>
           <a:p>
             <a:pPr lvl="1"/>
